--- a/11.07.20022_presentation_tubri.pptx
+++ b/11.07.20022_presentation_tubri.pptx
@@ -18,6 +18,10 @@
     <p:sldId id="265" r:id="rId13"/>
     <p:sldId id="266" r:id="rId14"/>
     <p:sldId id="267" r:id="rId15"/>
+    <p:sldId id="268" r:id="rId16"/>
+    <p:sldId id="269" r:id="rId17"/>
+    <p:sldId id="270" r:id="rId18"/>
+    <p:sldId id="271" r:id="rId19"/>
   </p:sldIdLst>
   <p:sldSz cx="10080625" cy="7559675"/>
   <p:notesSz cx="7559675" cy="10691812"/>
@@ -3387,7 +3391,7 @@
           </a:bodyPr>
           <a:p>
             <a:pPr algn="ctr"/>
-            <a:fld id="{46030DD3-B6C5-4D4F-B708-9F111EF04784}" type="slidenum">
+            <a:fld id="{CE57318E-1AE4-4A4F-8F95-A2E7724B01F5}" type="slidenum">
               <a:rPr b="1" lang="en-US" sz="1800" spc="-1" strike="noStrike">
                 <a:solidFill>
                   <a:srgbClr val="ffffff"/>
@@ -3801,7 +3805,7 @@
           </a:bodyPr>
           <a:p>
             <a:pPr algn="r"/>
-            <a:fld id="{3F87F5DA-9E2A-4FC9-BCA6-A6B038F874C3}" type="slidenum">
+            <a:fld id="{34D2CFED-38B9-4195-9B86-554274D715FC}" type="slidenum">
               <a:rPr b="1" lang="en-US" sz="1800" spc="-1" strike="noStrike">
                 <a:solidFill>
                   <a:srgbClr val="e74c3c"/>
@@ -4484,6 +4488,483 @@
           </a:p>
         </p:txBody>
       </p:sp>
+    </p:spTree>
+  </p:cSld>
+  <mc:AlternateContent>
+    <mc:Choice Requires="p14">
+      <p:transition spd="slow" p14:dur="2000"/>
+    </mc:Choice>
+    <mc:Fallback>
+      <p:transition spd="slow"/>
+    </mc:Fallback>
+  </mc:AlternateContent>
+</p:sld>
+</file>
+
+<file path=ppt/slides/slide13.xml><?xml version="1.0" encoding="utf-8"?>
+<p:sld xmlns:a="http://schemas.openxmlformats.org/drawingml/2006/main" xmlns:p="http://schemas.openxmlformats.org/presentationml/2006/main" xmlns:r="http://schemas.openxmlformats.org/officeDocument/2006/relationships" xmlns:p14="http://schemas.microsoft.com/office/powerpoint/2010/main" xmlns:p15="http://schemas.microsoft.com/office/powerpoint/2012/main" xmlns:mc="http://schemas.openxmlformats.org/markup-compatibility/2006">
+  <p:cSld>
+    <p:spTree>
+      <p:nvGrpSpPr>
+        <p:cNvPr id="1" name=""/>
+        <p:cNvGrpSpPr/>
+        <p:nvPr/>
+      </p:nvGrpSpPr>
+      <p:grpSpPr>
+        <a:xfrm>
+          <a:off x="0" y="0"/>
+          <a:ext cx="0" cy="0"/>
+          <a:chOff x="0" y="0"/>
+          <a:chExt cx="0" cy="0"/>
+        </a:xfrm>
+      </p:grpSpPr>
+      <p:sp>
+        <p:nvSpPr>
+          <p:cNvPr id="119" name="TextShape 1"/>
+          <p:cNvSpPr txBox="1"/>
+          <p:nvPr/>
+        </p:nvSpPr>
+        <p:spPr>
+          <a:xfrm>
+            <a:off x="360000" y="360000"/>
+            <a:ext cx="9360000" cy="900000"/>
+          </a:xfrm>
+          <a:prstGeom prst="rect">
+            <a:avLst/>
+          </a:prstGeom>
+          <a:noFill/>
+          <a:ln>
+            <a:noFill/>
+          </a:ln>
+        </p:spPr>
+        <p:txBody>
+          <a:bodyPr lIns="0" rIns="0" tIns="0" bIns="0" anchor="b">
+            <a:noAutofit/>
+          </a:bodyPr>
+          <a:p>
+            <a:r>
+              <a:rPr b="1" lang="en-US" sz="3200" spc="-1" strike="noStrike">
+                <a:solidFill>
+                  <a:srgbClr val="ffffff"/>
+                </a:solidFill>
+                <a:latin typeface="Noto Sans Black"/>
+              </a:rPr>
+              <a:t>Problems with landmarking</a:t>
+            </a:r>
+            <a:endParaRPr b="1" lang="en-US" sz="3200" spc="-1" strike="noStrike">
+              <a:solidFill>
+                <a:srgbClr val="ffffff"/>
+              </a:solidFill>
+              <a:latin typeface="Noto Sans Black"/>
+            </a:endParaRPr>
+          </a:p>
+        </p:txBody>
+      </p:sp>
+      <p:pic>
+        <p:nvPicPr>
+          <p:cNvPr id="120" name="" descr=""/>
+          <p:cNvPicPr/>
+          <p:nvPr/>
+        </p:nvPicPr>
+        <p:blipFill>
+          <a:blip r:embed="rId1"/>
+          <a:stretch/>
+        </p:blipFill>
+        <p:spPr>
+          <a:xfrm>
+            <a:off x="599760" y="2310480"/>
+            <a:ext cx="8544240" cy="4073760"/>
+          </a:xfrm>
+          <a:prstGeom prst="rect">
+            <a:avLst/>
+          </a:prstGeom>
+          <a:ln w="109800">
+            <a:noFill/>
+          </a:ln>
+        </p:spPr>
+      </p:pic>
+    </p:spTree>
+  </p:cSld>
+  <mc:AlternateContent>
+    <mc:Choice Requires="p14">
+      <p:transition spd="slow" p14:dur="2000"/>
+    </mc:Choice>
+    <mc:Fallback>
+      <p:transition spd="slow"/>
+    </mc:Fallback>
+  </mc:AlternateContent>
+</p:sld>
+</file>
+
+<file path=ppt/slides/slide14.xml><?xml version="1.0" encoding="utf-8"?>
+<p:sld xmlns:a="http://schemas.openxmlformats.org/drawingml/2006/main" xmlns:p="http://schemas.openxmlformats.org/presentationml/2006/main" xmlns:r="http://schemas.openxmlformats.org/officeDocument/2006/relationships" xmlns:p14="http://schemas.microsoft.com/office/powerpoint/2010/main" xmlns:p15="http://schemas.microsoft.com/office/powerpoint/2012/main" xmlns:mc="http://schemas.openxmlformats.org/markup-compatibility/2006">
+  <p:cSld>
+    <p:spTree>
+      <p:nvGrpSpPr>
+        <p:cNvPr id="1" name=""/>
+        <p:cNvGrpSpPr/>
+        <p:nvPr/>
+      </p:nvGrpSpPr>
+      <p:grpSpPr>
+        <a:xfrm>
+          <a:off x="0" y="0"/>
+          <a:ext cx="0" cy="0"/>
+          <a:chOff x="0" y="0"/>
+          <a:chExt cx="0" cy="0"/>
+        </a:xfrm>
+      </p:grpSpPr>
+      <p:sp>
+        <p:nvSpPr>
+          <p:cNvPr id="121" name="TextShape 1"/>
+          <p:cNvSpPr txBox="1"/>
+          <p:nvPr/>
+        </p:nvSpPr>
+        <p:spPr>
+          <a:xfrm>
+            <a:off x="360000" y="360000"/>
+            <a:ext cx="9360000" cy="900000"/>
+          </a:xfrm>
+          <a:prstGeom prst="rect">
+            <a:avLst/>
+          </a:prstGeom>
+          <a:noFill/>
+          <a:ln>
+            <a:noFill/>
+          </a:ln>
+        </p:spPr>
+        <p:txBody>
+          <a:bodyPr lIns="0" rIns="0" tIns="0" bIns="0" anchor="b">
+            <a:noAutofit/>
+          </a:bodyPr>
+          <a:p>
+            <a:r>
+              <a:rPr b="1" lang="en-US" sz="3200" spc="-1" strike="noStrike">
+                <a:solidFill>
+                  <a:srgbClr val="ffffff"/>
+                </a:solidFill>
+                <a:latin typeface="Noto Sans Black"/>
+              </a:rPr>
+              <a:t>..more</a:t>
+            </a:r>
+            <a:endParaRPr b="1" lang="en-US" sz="3200" spc="-1" strike="noStrike">
+              <a:solidFill>
+                <a:srgbClr val="ffffff"/>
+              </a:solidFill>
+              <a:latin typeface="Noto Sans Black"/>
+            </a:endParaRPr>
+          </a:p>
+        </p:txBody>
+      </p:sp>
+      <p:pic>
+        <p:nvPicPr>
+          <p:cNvPr id="122" name="" descr=""/>
+          <p:cNvPicPr/>
+          <p:nvPr/>
+        </p:nvPicPr>
+        <p:blipFill>
+          <a:blip r:embed="rId1"/>
+          <a:stretch/>
+        </p:blipFill>
+        <p:spPr>
+          <a:xfrm>
+            <a:off x="661320" y="2194560"/>
+            <a:ext cx="8665560" cy="3383280"/>
+          </a:xfrm>
+          <a:prstGeom prst="rect">
+            <a:avLst/>
+          </a:prstGeom>
+          <a:ln w="109800">
+            <a:noFill/>
+          </a:ln>
+        </p:spPr>
+      </p:pic>
+    </p:spTree>
+  </p:cSld>
+  <mc:AlternateContent>
+    <mc:Choice Requires="p14">
+      <p:transition spd="slow" p14:dur="2000"/>
+    </mc:Choice>
+    <mc:Fallback>
+      <p:transition spd="slow"/>
+    </mc:Fallback>
+  </mc:AlternateContent>
+</p:sld>
+</file>
+
+<file path=ppt/slides/slide15.xml><?xml version="1.0" encoding="utf-8"?>
+<p:sld xmlns:a="http://schemas.openxmlformats.org/drawingml/2006/main" xmlns:p="http://schemas.openxmlformats.org/presentationml/2006/main" xmlns:r="http://schemas.openxmlformats.org/officeDocument/2006/relationships" xmlns:p14="http://schemas.microsoft.com/office/powerpoint/2010/main" xmlns:p15="http://schemas.microsoft.com/office/powerpoint/2012/main" xmlns:mc="http://schemas.openxmlformats.org/markup-compatibility/2006">
+  <p:cSld>
+    <p:spTree>
+      <p:nvGrpSpPr>
+        <p:cNvPr id="1" name=""/>
+        <p:cNvGrpSpPr/>
+        <p:nvPr/>
+      </p:nvGrpSpPr>
+      <p:grpSpPr>
+        <a:xfrm>
+          <a:off x="0" y="0"/>
+          <a:ext cx="0" cy="0"/>
+          <a:chOff x="0" y="0"/>
+          <a:chExt cx="0" cy="0"/>
+        </a:xfrm>
+      </p:grpSpPr>
+      <p:sp>
+        <p:nvSpPr>
+          <p:cNvPr id="123" name="TextShape 1"/>
+          <p:cNvSpPr txBox="1"/>
+          <p:nvPr/>
+        </p:nvSpPr>
+        <p:spPr>
+          <a:xfrm>
+            <a:off x="360000" y="360000"/>
+            <a:ext cx="9360000" cy="900000"/>
+          </a:xfrm>
+          <a:prstGeom prst="rect">
+            <a:avLst/>
+          </a:prstGeom>
+          <a:noFill/>
+          <a:ln>
+            <a:noFill/>
+          </a:ln>
+        </p:spPr>
+        <p:txBody>
+          <a:bodyPr lIns="0" rIns="0" tIns="0" bIns="0" anchor="b">
+            <a:noAutofit/>
+          </a:bodyPr>
+          <a:p>
+            <a:r>
+              <a:rPr b="1" lang="en-US" sz="3200" spc="-1" strike="noStrike">
+                <a:solidFill>
+                  <a:srgbClr val="ffffff"/>
+                </a:solidFill>
+                <a:latin typeface="Noto Sans Black"/>
+              </a:rPr>
+              <a:t>Result statistics </a:t>
+            </a:r>
+            <a:endParaRPr b="1" lang="en-US" sz="3200" spc="-1" strike="noStrike">
+              <a:solidFill>
+                <a:srgbClr val="ffffff"/>
+              </a:solidFill>
+              <a:latin typeface="Noto Sans Black"/>
+            </a:endParaRPr>
+          </a:p>
+        </p:txBody>
+      </p:sp>
+      <p:sp>
+        <p:nvSpPr>
+          <p:cNvPr id="124" name="TextShape 2"/>
+          <p:cNvSpPr txBox="1"/>
+          <p:nvPr/>
+        </p:nvSpPr>
+        <p:spPr>
+          <a:xfrm>
+            <a:off x="360000" y="1980000"/>
+            <a:ext cx="9180000" cy="4680000"/>
+          </a:xfrm>
+          <a:prstGeom prst="rect">
+            <a:avLst/>
+          </a:prstGeom>
+          <a:noFill/>
+          <a:ln>
+            <a:noFill/>
+          </a:ln>
+        </p:spPr>
+        <p:txBody>
+          <a:bodyPr lIns="0" rIns="0" tIns="0" bIns="0">
+            <a:normAutofit/>
+          </a:bodyPr>
+          <a:p>
+            <a:pPr>
+              <a:spcAft>
+                <a:spcPts val="1142"/>
+              </a:spcAft>
+            </a:pPr>
+            <a:r>
+              <a:rPr b="1" lang="en-US" sz="2600" spc="-1" strike="noStrike">
+                <a:solidFill>
+                  <a:srgbClr val="1c1c1c"/>
+                </a:solidFill>
+                <a:latin typeface="Noto Sans SemiBold"/>
+              </a:rPr>
+              <a:t>Statistical fail and success results will  here</a:t>
+            </a:r>
+            <a:endParaRPr b="1" lang="en-US" sz="2600" spc="-1" strike="noStrike">
+              <a:solidFill>
+                <a:srgbClr val="1c1c1c"/>
+              </a:solidFill>
+              <a:latin typeface="Noto Sans SemiBold"/>
+            </a:endParaRPr>
+          </a:p>
+        </p:txBody>
+      </p:sp>
+    </p:spTree>
+  </p:cSld>
+  <mc:AlternateContent>
+    <mc:Choice Requires="p14">
+      <p:transition spd="slow" p14:dur="2000"/>
+    </mc:Choice>
+    <mc:Fallback>
+      <p:transition spd="slow"/>
+    </mc:Fallback>
+  </mc:AlternateContent>
+</p:sld>
+</file>
+
+<file path=ppt/slides/slide16.xml><?xml version="1.0" encoding="utf-8"?>
+<p:sld xmlns:a="http://schemas.openxmlformats.org/drawingml/2006/main" xmlns:p="http://schemas.openxmlformats.org/presentationml/2006/main" xmlns:r="http://schemas.openxmlformats.org/officeDocument/2006/relationships" xmlns:p14="http://schemas.microsoft.com/office/powerpoint/2010/main" xmlns:p15="http://schemas.microsoft.com/office/powerpoint/2012/main" xmlns:mc="http://schemas.openxmlformats.org/markup-compatibility/2006">
+  <p:cSld>
+    <p:spTree>
+      <p:nvGrpSpPr>
+        <p:cNvPr id="1" name=""/>
+        <p:cNvGrpSpPr/>
+        <p:nvPr/>
+      </p:nvGrpSpPr>
+      <p:grpSpPr>
+        <a:xfrm>
+          <a:off x="0" y="0"/>
+          <a:ext cx="0" cy="0"/>
+          <a:chOff x="0" y="0"/>
+          <a:chExt cx="0" cy="0"/>
+        </a:xfrm>
+      </p:grpSpPr>
+      <p:sp>
+        <p:nvSpPr>
+          <p:cNvPr id="125" name="TextShape 1"/>
+          <p:cNvSpPr txBox="1"/>
+          <p:nvPr/>
+        </p:nvSpPr>
+        <p:spPr>
+          <a:xfrm>
+            <a:off x="360000" y="360000"/>
+            <a:ext cx="9360000" cy="900000"/>
+          </a:xfrm>
+          <a:prstGeom prst="rect">
+            <a:avLst/>
+          </a:prstGeom>
+          <a:noFill/>
+          <a:ln>
+            <a:noFill/>
+          </a:ln>
+        </p:spPr>
+        <p:txBody>
+          <a:bodyPr lIns="0" rIns="0" tIns="0" bIns="0" anchor="b">
+            <a:noAutofit/>
+          </a:bodyPr>
+          <a:p>
+            <a:r>
+              <a:rPr b="1" lang="en-US" sz="3200" spc="-1" strike="noStrike">
+                <a:solidFill>
+                  <a:srgbClr val="ffffff"/>
+                </a:solidFill>
+                <a:latin typeface="Noto Sans Black"/>
+              </a:rPr>
+              <a:t>Credits</a:t>
+            </a:r>
+            <a:endParaRPr b="1" lang="en-US" sz="3200" spc="-1" strike="noStrike">
+              <a:solidFill>
+                <a:srgbClr val="ffffff"/>
+              </a:solidFill>
+              <a:latin typeface="Noto Sans Black"/>
+            </a:endParaRPr>
+          </a:p>
+        </p:txBody>
+      </p:sp>
+      <p:sp>
+        <p:nvSpPr>
+          <p:cNvPr id="126" name="TextShape 2"/>
+          <p:cNvSpPr txBox="1"/>
+          <p:nvPr/>
+        </p:nvSpPr>
+        <p:spPr>
+          <a:xfrm>
+            <a:off x="199800" y="3310920"/>
+            <a:ext cx="9218520" cy="621000"/>
+          </a:xfrm>
+          <a:prstGeom prst="rect">
+            <a:avLst/>
+          </a:prstGeom>
+          <a:noFill/>
+          <a:ln w="54720">
+            <a:noFill/>
+          </a:ln>
+        </p:spPr>
+        <p:txBody>
+          <a:bodyPr lIns="90000" rIns="90000" tIns="45000" bIns="45000">
+            <a:noAutofit/>
+          </a:bodyPr>
+          <a:p>
+            <a:r>
+              <a:rPr b="0" lang="en-US" sz="1500" spc="-1" strike="noStrike">
+                <a:latin typeface="Noto Sans Regular"/>
+                <a:hlinkClick r:id="rId1"/>
+              </a:rPr>
+              <a:t>https://github.com/tubri/bahadir_presentations/raw/main/11.07.20022_presentation_tubri.pptx</a:t>
+            </a:r>
+            <a:endParaRPr b="0" lang="en-US" sz="1500" spc="-1" strike="noStrike">
+              <a:latin typeface="Noto Sans Regular"/>
+            </a:endParaRPr>
+          </a:p>
+        </p:txBody>
+      </p:sp>
+      <p:sp>
+        <p:nvSpPr>
+          <p:cNvPr id="127" name="TextShape 3"/>
+          <p:cNvSpPr txBox="1"/>
+          <p:nvPr/>
+        </p:nvSpPr>
+        <p:spPr>
+          <a:xfrm>
+            <a:off x="640080" y="1645920"/>
+            <a:ext cx="5577840" cy="355680"/>
+          </a:xfrm>
+          <a:prstGeom prst="rect">
+            <a:avLst/>
+          </a:prstGeom>
+          <a:noFill/>
+          <a:ln w="54720">
+            <a:noFill/>
+          </a:ln>
+        </p:spPr>
+        <p:txBody>
+          <a:bodyPr lIns="90000" rIns="90000" tIns="45000" bIns="45000">
+            <a:noAutofit/>
+          </a:bodyPr>
+          <a:p>
+            <a:r>
+              <a:rPr b="0" lang="en-US" sz="1800" spc="-1" strike="noStrike">
+                <a:latin typeface="Noto Sans Regular"/>
+              </a:rPr>
+              <a:t>Credits &amp; contributers will be here</a:t>
+            </a:r>
+            <a:endParaRPr b="0" lang="en-US" sz="1800" spc="-1" strike="noStrike">
+              <a:latin typeface="Noto Sans Regular"/>
+            </a:endParaRPr>
+          </a:p>
+        </p:txBody>
+      </p:sp>
+      <p:pic>
+        <p:nvPicPr>
+          <p:cNvPr id="128" name="" descr=""/>
+          <p:cNvPicPr/>
+          <p:nvPr/>
+        </p:nvPicPr>
+        <p:blipFill>
+          <a:blip r:embed="rId2"/>
+          <a:stretch/>
+        </p:blipFill>
+        <p:spPr>
+          <a:xfrm>
+            <a:off x="1478160" y="4754880"/>
+            <a:ext cx="7757280" cy="1602720"/>
+          </a:xfrm>
+          <a:prstGeom prst="rect">
+            <a:avLst/>
+          </a:prstGeom>
+          <a:ln w="109800">
+            <a:noFill/>
+          </a:ln>
+        </p:spPr>
+      </p:pic>
     </p:spTree>
   </p:cSld>
   <mc:AlternateContent>

--- a/11.07.20022_presentation_tubri.pptx
+++ b/11.07.20022_presentation_tubri.pptx
@@ -23,7 +23,7 @@
     <p:sldId id="270" r:id="rId18"/>
     <p:sldId id="271" r:id="rId19"/>
   </p:sldIdLst>
-  <p:sldSz cx="10080625" cy="7559675"/>
+  <p:sldSz cx="10080625" cy="5670550"/>
   <p:notesSz cx="7559675" cy="10691812"/>
 </p:presentation>
 </file>
@@ -79,8 +79,8 @@
         </p:nvSpPr>
         <p:spPr>
           <a:xfrm>
-            <a:off x="360000" y="360000"/>
-            <a:ext cx="9360000" cy="900000"/>
+            <a:off x="360000" y="270000"/>
+            <a:ext cx="9360000" cy="675000"/>
           </a:xfrm>
           <a:prstGeom prst="rect">
             <a:avLst/>
@@ -91,7 +91,7 @@
             <a:noAutofit/>
           </a:bodyPr>
           <a:p>
-            <a:endParaRPr b="1" lang="en-US" sz="3200" spc="-1" strike="noStrike">
+            <a:endParaRPr b="1" lang="en-US" sz="2400" spc="-1" strike="noStrike">
               <a:solidFill>
                 <a:srgbClr val="ffffff"/>
               </a:solidFill>
@@ -112,8 +112,8 @@
         </p:nvSpPr>
         <p:spPr>
           <a:xfrm>
-            <a:off x="360000" y="1980000"/>
-            <a:ext cx="9180000" cy="2232000"/>
+            <a:off x="360000" y="1485000"/>
+            <a:ext cx="9180000" cy="1674000"/>
           </a:xfrm>
           <a:prstGeom prst="rect">
             <a:avLst/>
@@ -124,7 +124,7 @@
             <a:normAutofit/>
           </a:bodyPr>
           <a:p>
-            <a:endParaRPr b="1" lang="en-US" sz="2600" spc="-1" strike="noStrike">
+            <a:endParaRPr b="1" lang="en-US" sz="1950" spc="-1" strike="noStrike">
               <a:solidFill>
                 <a:srgbClr val="1c1c1c"/>
               </a:solidFill>
@@ -145,8 +145,8 @@
         </p:nvSpPr>
         <p:spPr>
           <a:xfrm>
-            <a:off x="360000" y="4424400"/>
-            <a:ext cx="9180000" cy="2232000"/>
+            <a:off x="360000" y="3318480"/>
+            <a:ext cx="9180000" cy="1674000"/>
           </a:xfrm>
           <a:prstGeom prst="rect">
             <a:avLst/>
@@ -157,7 +157,7 @@
             <a:normAutofit/>
           </a:bodyPr>
           <a:p>
-            <a:endParaRPr b="1" lang="en-US" sz="2600" spc="-1" strike="noStrike">
+            <a:endParaRPr b="1" lang="en-US" sz="1950" spc="-1" strike="noStrike">
               <a:solidFill>
                 <a:srgbClr val="1c1c1c"/>
               </a:solidFill>
@@ -200,8 +200,8 @@
         </p:nvSpPr>
         <p:spPr>
           <a:xfrm>
-            <a:off x="360000" y="360000"/>
-            <a:ext cx="9360000" cy="900000"/>
+            <a:off x="360000" y="270000"/>
+            <a:ext cx="9360000" cy="675000"/>
           </a:xfrm>
           <a:prstGeom prst="rect">
             <a:avLst/>
@@ -212,7 +212,7 @@
             <a:noAutofit/>
           </a:bodyPr>
           <a:p>
-            <a:endParaRPr b="1" lang="en-US" sz="3200" spc="-1" strike="noStrike">
+            <a:endParaRPr b="1" lang="en-US" sz="2400" spc="-1" strike="noStrike">
               <a:solidFill>
                 <a:srgbClr val="ffffff"/>
               </a:solidFill>
@@ -233,8 +233,8 @@
         </p:nvSpPr>
         <p:spPr>
           <a:xfrm>
-            <a:off x="360000" y="1980000"/>
-            <a:ext cx="4479480" cy="2232000"/>
+            <a:off x="360000" y="1485000"/>
+            <a:ext cx="4479480" cy="1674000"/>
           </a:xfrm>
           <a:prstGeom prst="rect">
             <a:avLst/>
@@ -245,7 +245,7 @@
             <a:normAutofit/>
           </a:bodyPr>
           <a:p>
-            <a:endParaRPr b="1" lang="en-US" sz="2600" spc="-1" strike="noStrike">
+            <a:endParaRPr b="1" lang="en-US" sz="1950" spc="-1" strike="noStrike">
               <a:solidFill>
                 <a:srgbClr val="1c1c1c"/>
               </a:solidFill>
@@ -266,8 +266,8 @@
         </p:nvSpPr>
         <p:spPr>
           <a:xfrm>
-            <a:off x="5063760" y="1980000"/>
-            <a:ext cx="4479480" cy="2232000"/>
+            <a:off x="5063760" y="1485000"/>
+            <a:ext cx="4479480" cy="1674000"/>
           </a:xfrm>
           <a:prstGeom prst="rect">
             <a:avLst/>
@@ -278,7 +278,7 @@
             <a:normAutofit/>
           </a:bodyPr>
           <a:p>
-            <a:endParaRPr b="1" lang="en-US" sz="2600" spc="-1" strike="noStrike">
+            <a:endParaRPr b="1" lang="en-US" sz="1950" spc="-1" strike="noStrike">
               <a:solidFill>
                 <a:srgbClr val="1c1c1c"/>
               </a:solidFill>
@@ -299,8 +299,8 @@
         </p:nvSpPr>
         <p:spPr>
           <a:xfrm>
-            <a:off x="360000" y="4424400"/>
-            <a:ext cx="4479480" cy="2232000"/>
+            <a:off x="360000" y="3318480"/>
+            <a:ext cx="4479480" cy="1674000"/>
           </a:xfrm>
           <a:prstGeom prst="rect">
             <a:avLst/>
@@ -311,7 +311,7 @@
             <a:normAutofit/>
           </a:bodyPr>
           <a:p>
-            <a:endParaRPr b="1" lang="en-US" sz="2600" spc="-1" strike="noStrike">
+            <a:endParaRPr b="1" lang="en-US" sz="1950" spc="-1" strike="noStrike">
               <a:solidFill>
                 <a:srgbClr val="1c1c1c"/>
               </a:solidFill>
@@ -332,8 +332,8 @@
         </p:nvSpPr>
         <p:spPr>
           <a:xfrm>
-            <a:off x="5063760" y="4424400"/>
-            <a:ext cx="4479480" cy="2232000"/>
+            <a:off x="5063760" y="3318480"/>
+            <a:ext cx="4479480" cy="1674000"/>
           </a:xfrm>
           <a:prstGeom prst="rect">
             <a:avLst/>
@@ -344,7 +344,7 @@
             <a:normAutofit/>
           </a:bodyPr>
           <a:p>
-            <a:endParaRPr b="1" lang="en-US" sz="2600" spc="-1" strike="noStrike">
+            <a:endParaRPr b="1" lang="en-US" sz="1950" spc="-1" strike="noStrike">
               <a:solidFill>
                 <a:srgbClr val="1c1c1c"/>
               </a:solidFill>
@@ -387,8 +387,8 @@
         </p:nvSpPr>
         <p:spPr>
           <a:xfrm>
-            <a:off x="360000" y="360000"/>
-            <a:ext cx="9360000" cy="900000"/>
+            <a:off x="360000" y="270000"/>
+            <a:ext cx="9360000" cy="675000"/>
           </a:xfrm>
           <a:prstGeom prst="rect">
             <a:avLst/>
@@ -399,7 +399,7 @@
             <a:noAutofit/>
           </a:bodyPr>
           <a:p>
-            <a:endParaRPr b="1" lang="en-US" sz="3200" spc="-1" strike="noStrike">
+            <a:endParaRPr b="1" lang="en-US" sz="2400" spc="-1" strike="noStrike">
               <a:solidFill>
                 <a:srgbClr val="ffffff"/>
               </a:solidFill>
@@ -420,8 +420,8 @@
         </p:nvSpPr>
         <p:spPr>
           <a:xfrm>
-            <a:off x="360000" y="1980000"/>
-            <a:ext cx="2955600" cy="2232000"/>
+            <a:off x="360000" y="1485000"/>
+            <a:ext cx="2955600" cy="1674000"/>
           </a:xfrm>
           <a:prstGeom prst="rect">
             <a:avLst/>
@@ -432,7 +432,7 @@
             <a:normAutofit/>
           </a:bodyPr>
           <a:p>
-            <a:endParaRPr b="1" lang="en-US" sz="2600" spc="-1" strike="noStrike">
+            <a:endParaRPr b="1" lang="en-US" sz="1950" spc="-1" strike="noStrike">
               <a:solidFill>
                 <a:srgbClr val="1c1c1c"/>
               </a:solidFill>
@@ -453,8 +453,8 @@
         </p:nvSpPr>
         <p:spPr>
           <a:xfrm>
-            <a:off x="3463920" y="1980000"/>
-            <a:ext cx="2955600" cy="2232000"/>
+            <a:off x="3463920" y="1485000"/>
+            <a:ext cx="2955600" cy="1674000"/>
           </a:xfrm>
           <a:prstGeom prst="rect">
             <a:avLst/>
@@ -465,7 +465,7 @@
             <a:normAutofit/>
           </a:bodyPr>
           <a:p>
-            <a:endParaRPr b="1" lang="en-US" sz="2600" spc="-1" strike="noStrike">
+            <a:endParaRPr b="1" lang="en-US" sz="1950" spc="-1" strike="noStrike">
               <a:solidFill>
                 <a:srgbClr val="1c1c1c"/>
               </a:solidFill>
@@ -486,8 +486,8 @@
         </p:nvSpPr>
         <p:spPr>
           <a:xfrm>
-            <a:off x="6567480" y="1980000"/>
-            <a:ext cx="2955600" cy="2232000"/>
+            <a:off x="6567480" y="1485000"/>
+            <a:ext cx="2955600" cy="1674000"/>
           </a:xfrm>
           <a:prstGeom prst="rect">
             <a:avLst/>
@@ -498,7 +498,7 @@
             <a:normAutofit/>
           </a:bodyPr>
           <a:p>
-            <a:endParaRPr b="1" lang="en-US" sz="2600" spc="-1" strike="noStrike">
+            <a:endParaRPr b="1" lang="en-US" sz="1950" spc="-1" strike="noStrike">
               <a:solidFill>
                 <a:srgbClr val="1c1c1c"/>
               </a:solidFill>
@@ -519,8 +519,8 @@
         </p:nvSpPr>
         <p:spPr>
           <a:xfrm>
-            <a:off x="360000" y="4424400"/>
-            <a:ext cx="2955600" cy="2232000"/>
+            <a:off x="360000" y="3318480"/>
+            <a:ext cx="2955600" cy="1674000"/>
           </a:xfrm>
           <a:prstGeom prst="rect">
             <a:avLst/>
@@ -531,7 +531,7 @@
             <a:normAutofit/>
           </a:bodyPr>
           <a:p>
-            <a:endParaRPr b="1" lang="en-US" sz="2600" spc="-1" strike="noStrike">
+            <a:endParaRPr b="1" lang="en-US" sz="1950" spc="-1" strike="noStrike">
               <a:solidFill>
                 <a:srgbClr val="1c1c1c"/>
               </a:solidFill>
@@ -552,8 +552,8 @@
         </p:nvSpPr>
         <p:spPr>
           <a:xfrm>
-            <a:off x="3463920" y="4424400"/>
-            <a:ext cx="2955600" cy="2232000"/>
+            <a:off x="3463920" y="3318480"/>
+            <a:ext cx="2955600" cy="1674000"/>
           </a:xfrm>
           <a:prstGeom prst="rect">
             <a:avLst/>
@@ -564,7 +564,7 @@
             <a:normAutofit/>
           </a:bodyPr>
           <a:p>
-            <a:endParaRPr b="1" lang="en-US" sz="2600" spc="-1" strike="noStrike">
+            <a:endParaRPr b="1" lang="en-US" sz="1950" spc="-1" strike="noStrike">
               <a:solidFill>
                 <a:srgbClr val="1c1c1c"/>
               </a:solidFill>
@@ -585,8 +585,8 @@
         </p:nvSpPr>
         <p:spPr>
           <a:xfrm>
-            <a:off x="6567480" y="4424400"/>
-            <a:ext cx="2955600" cy="2232000"/>
+            <a:off x="6567480" y="3318480"/>
+            <a:ext cx="2955600" cy="1674000"/>
           </a:xfrm>
           <a:prstGeom prst="rect">
             <a:avLst/>
@@ -597,7 +597,7 @@
             <a:normAutofit/>
           </a:bodyPr>
           <a:p>
-            <a:endParaRPr b="1" lang="en-US" sz="2600" spc="-1" strike="noStrike">
+            <a:endParaRPr b="1" lang="en-US" sz="1950" spc="-1" strike="noStrike">
               <a:solidFill>
                 <a:srgbClr val="1c1c1c"/>
               </a:solidFill>
@@ -662,8 +662,8 @@
         </p:nvSpPr>
         <p:spPr>
           <a:xfrm>
-            <a:off x="360000" y="360000"/>
-            <a:ext cx="9360000" cy="900000"/>
+            <a:off x="360000" y="270000"/>
+            <a:ext cx="9360000" cy="675000"/>
           </a:xfrm>
           <a:prstGeom prst="rect">
             <a:avLst/>
@@ -674,7 +674,7 @@
             <a:noAutofit/>
           </a:bodyPr>
           <a:p>
-            <a:endParaRPr b="1" lang="en-US" sz="3200" spc="-1" strike="noStrike">
+            <a:endParaRPr b="1" lang="en-US" sz="2400" spc="-1" strike="noStrike">
               <a:solidFill>
                 <a:srgbClr val="ffffff"/>
               </a:solidFill>
@@ -695,8 +695,8 @@
         </p:nvSpPr>
         <p:spPr>
           <a:xfrm>
-            <a:off x="360000" y="1980000"/>
-            <a:ext cx="9180000" cy="4680000"/>
+            <a:off x="360000" y="1485000"/>
+            <a:ext cx="9180000" cy="3510000"/>
           </a:xfrm>
           <a:prstGeom prst="rect">
             <a:avLst/>
@@ -750,8 +750,8 @@
         </p:nvSpPr>
         <p:spPr>
           <a:xfrm>
-            <a:off x="360000" y="360000"/>
-            <a:ext cx="9360000" cy="900000"/>
+            <a:off x="360000" y="270000"/>
+            <a:ext cx="9360000" cy="675000"/>
           </a:xfrm>
           <a:prstGeom prst="rect">
             <a:avLst/>
@@ -762,7 +762,7 @@
             <a:noAutofit/>
           </a:bodyPr>
           <a:p>
-            <a:endParaRPr b="1" lang="en-US" sz="3200" spc="-1" strike="noStrike">
+            <a:endParaRPr b="1" lang="en-US" sz="2400" spc="-1" strike="noStrike">
               <a:solidFill>
                 <a:srgbClr val="ffffff"/>
               </a:solidFill>
@@ -783,8 +783,8 @@
         </p:nvSpPr>
         <p:spPr>
           <a:xfrm>
-            <a:off x="360000" y="1980000"/>
-            <a:ext cx="9180000" cy="4680000"/>
+            <a:off x="360000" y="1485000"/>
+            <a:ext cx="9180000" cy="3510000"/>
           </a:xfrm>
           <a:prstGeom prst="rect">
             <a:avLst/>
@@ -795,7 +795,7 @@
             <a:normAutofit/>
           </a:bodyPr>
           <a:p>
-            <a:endParaRPr b="1" lang="en-US" sz="2600" spc="-1" strike="noStrike">
+            <a:endParaRPr b="1" lang="en-US" sz="1950" spc="-1" strike="noStrike">
               <a:solidFill>
                 <a:srgbClr val="1c1c1c"/>
               </a:solidFill>
@@ -838,8 +838,8 @@
         </p:nvSpPr>
         <p:spPr>
           <a:xfrm>
-            <a:off x="360000" y="360000"/>
-            <a:ext cx="9360000" cy="900000"/>
+            <a:off x="360000" y="270000"/>
+            <a:ext cx="9360000" cy="675000"/>
           </a:xfrm>
           <a:prstGeom prst="rect">
             <a:avLst/>
@@ -850,7 +850,7 @@
             <a:noAutofit/>
           </a:bodyPr>
           <a:p>
-            <a:endParaRPr b="1" lang="en-US" sz="3200" spc="-1" strike="noStrike">
+            <a:endParaRPr b="1" lang="en-US" sz="2400" spc="-1" strike="noStrike">
               <a:solidFill>
                 <a:srgbClr val="ffffff"/>
               </a:solidFill>
@@ -871,8 +871,8 @@
         </p:nvSpPr>
         <p:spPr>
           <a:xfrm>
-            <a:off x="360000" y="1980000"/>
-            <a:ext cx="4479480" cy="4680000"/>
+            <a:off x="360000" y="1485000"/>
+            <a:ext cx="4479480" cy="3510000"/>
           </a:xfrm>
           <a:prstGeom prst="rect">
             <a:avLst/>
@@ -883,7 +883,7 @@
             <a:normAutofit/>
           </a:bodyPr>
           <a:p>
-            <a:endParaRPr b="1" lang="en-US" sz="2600" spc="-1" strike="noStrike">
+            <a:endParaRPr b="1" lang="en-US" sz="1950" spc="-1" strike="noStrike">
               <a:solidFill>
                 <a:srgbClr val="1c1c1c"/>
               </a:solidFill>
@@ -904,8 +904,8 @@
         </p:nvSpPr>
         <p:spPr>
           <a:xfrm>
-            <a:off x="5063760" y="1980000"/>
-            <a:ext cx="4479480" cy="4680000"/>
+            <a:off x="5063760" y="1485000"/>
+            <a:ext cx="4479480" cy="3510000"/>
           </a:xfrm>
           <a:prstGeom prst="rect">
             <a:avLst/>
@@ -916,7 +916,7 @@
             <a:normAutofit/>
           </a:bodyPr>
           <a:p>
-            <a:endParaRPr b="1" lang="en-US" sz="2600" spc="-1" strike="noStrike">
+            <a:endParaRPr b="1" lang="en-US" sz="1950" spc="-1" strike="noStrike">
               <a:solidFill>
                 <a:srgbClr val="1c1c1c"/>
               </a:solidFill>
@@ -959,8 +959,8 @@
         </p:nvSpPr>
         <p:spPr>
           <a:xfrm>
-            <a:off x="360000" y="360000"/>
-            <a:ext cx="9360000" cy="900000"/>
+            <a:off x="360000" y="270000"/>
+            <a:ext cx="9360000" cy="675000"/>
           </a:xfrm>
           <a:prstGeom prst="rect">
             <a:avLst/>
@@ -971,7 +971,7 @@
             <a:noAutofit/>
           </a:bodyPr>
           <a:p>
-            <a:endParaRPr b="1" lang="en-US" sz="3200" spc="-1" strike="noStrike">
+            <a:endParaRPr b="1" lang="en-US" sz="2400" spc="-1" strike="noStrike">
               <a:solidFill>
                 <a:srgbClr val="ffffff"/>
               </a:solidFill>
@@ -1014,8 +1014,8 @@
         </p:nvSpPr>
         <p:spPr>
           <a:xfrm>
-            <a:off x="360000" y="360000"/>
-            <a:ext cx="9360000" cy="4173120"/>
+            <a:off x="360000" y="270000"/>
+            <a:ext cx="9360000" cy="3130200"/>
           </a:xfrm>
           <a:prstGeom prst="rect">
             <a:avLst/>
@@ -1069,8 +1069,8 @@
         </p:nvSpPr>
         <p:spPr>
           <a:xfrm>
-            <a:off x="360000" y="360000"/>
-            <a:ext cx="9360000" cy="900000"/>
+            <a:off x="360000" y="270000"/>
+            <a:ext cx="9360000" cy="675000"/>
           </a:xfrm>
           <a:prstGeom prst="rect">
             <a:avLst/>
@@ -1081,7 +1081,7 @@
             <a:noAutofit/>
           </a:bodyPr>
           <a:p>
-            <a:endParaRPr b="1" lang="en-US" sz="3200" spc="-1" strike="noStrike">
+            <a:endParaRPr b="1" lang="en-US" sz="2400" spc="-1" strike="noStrike">
               <a:solidFill>
                 <a:srgbClr val="ffffff"/>
               </a:solidFill>
@@ -1102,8 +1102,8 @@
         </p:nvSpPr>
         <p:spPr>
           <a:xfrm>
-            <a:off x="360000" y="1980000"/>
-            <a:ext cx="4479480" cy="2232000"/>
+            <a:off x="360000" y="1485000"/>
+            <a:ext cx="4479480" cy="1674000"/>
           </a:xfrm>
           <a:prstGeom prst="rect">
             <a:avLst/>
@@ -1114,7 +1114,7 @@
             <a:normAutofit/>
           </a:bodyPr>
           <a:p>
-            <a:endParaRPr b="1" lang="en-US" sz="2600" spc="-1" strike="noStrike">
+            <a:endParaRPr b="1" lang="en-US" sz="1950" spc="-1" strike="noStrike">
               <a:solidFill>
                 <a:srgbClr val="1c1c1c"/>
               </a:solidFill>
@@ -1135,8 +1135,8 @@
         </p:nvSpPr>
         <p:spPr>
           <a:xfrm>
-            <a:off x="5063760" y="1980000"/>
-            <a:ext cx="4479480" cy="4680000"/>
+            <a:off x="5063760" y="1485000"/>
+            <a:ext cx="4479480" cy="3510000"/>
           </a:xfrm>
           <a:prstGeom prst="rect">
             <a:avLst/>
@@ -1147,7 +1147,7 @@
             <a:normAutofit/>
           </a:bodyPr>
           <a:p>
-            <a:endParaRPr b="1" lang="en-US" sz="2600" spc="-1" strike="noStrike">
+            <a:endParaRPr b="1" lang="en-US" sz="1950" spc="-1" strike="noStrike">
               <a:solidFill>
                 <a:srgbClr val="1c1c1c"/>
               </a:solidFill>
@@ -1168,8 +1168,8 @@
         </p:nvSpPr>
         <p:spPr>
           <a:xfrm>
-            <a:off x="360000" y="4424400"/>
-            <a:ext cx="4479480" cy="2232000"/>
+            <a:off x="360000" y="3318480"/>
+            <a:ext cx="4479480" cy="1674000"/>
           </a:xfrm>
           <a:prstGeom prst="rect">
             <a:avLst/>
@@ -1180,7 +1180,7 @@
             <a:normAutofit/>
           </a:bodyPr>
           <a:p>
-            <a:endParaRPr b="1" lang="en-US" sz="2600" spc="-1" strike="noStrike">
+            <a:endParaRPr b="1" lang="en-US" sz="1950" spc="-1" strike="noStrike">
               <a:solidFill>
                 <a:srgbClr val="1c1c1c"/>
               </a:solidFill>
@@ -1223,8 +1223,8 @@
         </p:nvSpPr>
         <p:spPr>
           <a:xfrm>
-            <a:off x="360000" y="360000"/>
-            <a:ext cx="9360000" cy="900000"/>
+            <a:off x="360000" y="270000"/>
+            <a:ext cx="9360000" cy="675000"/>
           </a:xfrm>
           <a:prstGeom prst="rect">
             <a:avLst/>
@@ -1235,7 +1235,7 @@
             <a:noAutofit/>
           </a:bodyPr>
           <a:p>
-            <a:endParaRPr b="1" lang="en-US" sz="3200" spc="-1" strike="noStrike">
+            <a:endParaRPr b="1" lang="en-US" sz="2400" spc="-1" strike="noStrike">
               <a:solidFill>
                 <a:srgbClr val="ffffff"/>
               </a:solidFill>
@@ -1256,8 +1256,8 @@
         </p:nvSpPr>
         <p:spPr>
           <a:xfrm>
-            <a:off x="360000" y="1980000"/>
-            <a:ext cx="9180000" cy="4680000"/>
+            <a:off x="360000" y="1485000"/>
+            <a:ext cx="9180000" cy="3510000"/>
           </a:xfrm>
           <a:prstGeom prst="rect">
             <a:avLst/>
@@ -1311,8 +1311,8 @@
         </p:nvSpPr>
         <p:spPr>
           <a:xfrm>
-            <a:off x="360000" y="360000"/>
-            <a:ext cx="9360000" cy="900000"/>
+            <a:off x="360000" y="270000"/>
+            <a:ext cx="9360000" cy="675000"/>
           </a:xfrm>
           <a:prstGeom prst="rect">
             <a:avLst/>
@@ -1323,7 +1323,7 @@
             <a:noAutofit/>
           </a:bodyPr>
           <a:p>
-            <a:endParaRPr b="1" lang="en-US" sz="3200" spc="-1" strike="noStrike">
+            <a:endParaRPr b="1" lang="en-US" sz="2400" spc="-1" strike="noStrike">
               <a:solidFill>
                 <a:srgbClr val="ffffff"/>
               </a:solidFill>
@@ -1344,8 +1344,8 @@
         </p:nvSpPr>
         <p:spPr>
           <a:xfrm>
-            <a:off x="360000" y="1980000"/>
-            <a:ext cx="4479480" cy="4680000"/>
+            <a:off x="360000" y="1485000"/>
+            <a:ext cx="4479480" cy="3510000"/>
           </a:xfrm>
           <a:prstGeom prst="rect">
             <a:avLst/>
@@ -1356,7 +1356,7 @@
             <a:normAutofit/>
           </a:bodyPr>
           <a:p>
-            <a:endParaRPr b="1" lang="en-US" sz="2600" spc="-1" strike="noStrike">
+            <a:endParaRPr b="1" lang="en-US" sz="1950" spc="-1" strike="noStrike">
               <a:solidFill>
                 <a:srgbClr val="1c1c1c"/>
               </a:solidFill>
@@ -1377,8 +1377,8 @@
         </p:nvSpPr>
         <p:spPr>
           <a:xfrm>
-            <a:off x="5063760" y="1980000"/>
-            <a:ext cx="4479480" cy="2232000"/>
+            <a:off x="5063760" y="1485000"/>
+            <a:ext cx="4479480" cy="1674000"/>
           </a:xfrm>
           <a:prstGeom prst="rect">
             <a:avLst/>
@@ -1389,7 +1389,7 @@
             <a:normAutofit/>
           </a:bodyPr>
           <a:p>
-            <a:endParaRPr b="1" lang="en-US" sz="2600" spc="-1" strike="noStrike">
+            <a:endParaRPr b="1" lang="en-US" sz="1950" spc="-1" strike="noStrike">
               <a:solidFill>
                 <a:srgbClr val="1c1c1c"/>
               </a:solidFill>
@@ -1410,8 +1410,8 @@
         </p:nvSpPr>
         <p:spPr>
           <a:xfrm>
-            <a:off x="5063760" y="4424400"/>
-            <a:ext cx="4479480" cy="2232000"/>
+            <a:off x="5063760" y="3318480"/>
+            <a:ext cx="4479480" cy="1674000"/>
           </a:xfrm>
           <a:prstGeom prst="rect">
             <a:avLst/>
@@ -1422,7 +1422,7 @@
             <a:normAutofit/>
           </a:bodyPr>
           <a:p>
-            <a:endParaRPr b="1" lang="en-US" sz="2600" spc="-1" strike="noStrike">
+            <a:endParaRPr b="1" lang="en-US" sz="1950" spc="-1" strike="noStrike">
               <a:solidFill>
                 <a:srgbClr val="1c1c1c"/>
               </a:solidFill>
@@ -1465,8 +1465,8 @@
         </p:nvSpPr>
         <p:spPr>
           <a:xfrm>
-            <a:off x="360000" y="360000"/>
-            <a:ext cx="9360000" cy="900000"/>
+            <a:off x="360000" y="270000"/>
+            <a:ext cx="9360000" cy="675000"/>
           </a:xfrm>
           <a:prstGeom prst="rect">
             <a:avLst/>
@@ -1477,7 +1477,7 @@
             <a:noAutofit/>
           </a:bodyPr>
           <a:p>
-            <a:endParaRPr b="1" lang="en-US" sz="3200" spc="-1" strike="noStrike">
+            <a:endParaRPr b="1" lang="en-US" sz="2400" spc="-1" strike="noStrike">
               <a:solidFill>
                 <a:srgbClr val="ffffff"/>
               </a:solidFill>
@@ -1498,8 +1498,8 @@
         </p:nvSpPr>
         <p:spPr>
           <a:xfrm>
-            <a:off x="360000" y="1980000"/>
-            <a:ext cx="4479480" cy="2232000"/>
+            <a:off x="360000" y="1485000"/>
+            <a:ext cx="4479480" cy="1674000"/>
           </a:xfrm>
           <a:prstGeom prst="rect">
             <a:avLst/>
@@ -1510,7 +1510,7 @@
             <a:normAutofit/>
           </a:bodyPr>
           <a:p>
-            <a:endParaRPr b="1" lang="en-US" sz="2600" spc="-1" strike="noStrike">
+            <a:endParaRPr b="1" lang="en-US" sz="1950" spc="-1" strike="noStrike">
               <a:solidFill>
                 <a:srgbClr val="1c1c1c"/>
               </a:solidFill>
@@ -1531,8 +1531,8 @@
         </p:nvSpPr>
         <p:spPr>
           <a:xfrm>
-            <a:off x="5063760" y="1980000"/>
-            <a:ext cx="4479480" cy="2232000"/>
+            <a:off x="5063760" y="1485000"/>
+            <a:ext cx="4479480" cy="1674000"/>
           </a:xfrm>
           <a:prstGeom prst="rect">
             <a:avLst/>
@@ -1543,7 +1543,7 @@
             <a:normAutofit/>
           </a:bodyPr>
           <a:p>
-            <a:endParaRPr b="1" lang="en-US" sz="2600" spc="-1" strike="noStrike">
+            <a:endParaRPr b="1" lang="en-US" sz="1950" spc="-1" strike="noStrike">
               <a:solidFill>
                 <a:srgbClr val="1c1c1c"/>
               </a:solidFill>
@@ -1564,8 +1564,8 @@
         </p:nvSpPr>
         <p:spPr>
           <a:xfrm>
-            <a:off x="360000" y="4424400"/>
-            <a:ext cx="9180000" cy="2232000"/>
+            <a:off x="360000" y="3318480"/>
+            <a:ext cx="9180000" cy="1674000"/>
           </a:xfrm>
           <a:prstGeom prst="rect">
             <a:avLst/>
@@ -1576,7 +1576,7 @@
             <a:normAutofit/>
           </a:bodyPr>
           <a:p>
-            <a:endParaRPr b="1" lang="en-US" sz="2600" spc="-1" strike="noStrike">
+            <a:endParaRPr b="1" lang="en-US" sz="1950" spc="-1" strike="noStrike">
               <a:solidFill>
                 <a:srgbClr val="1c1c1c"/>
               </a:solidFill>
@@ -1619,8 +1619,8 @@
         </p:nvSpPr>
         <p:spPr>
           <a:xfrm>
-            <a:off x="360000" y="360000"/>
-            <a:ext cx="9360000" cy="900000"/>
+            <a:off x="360000" y="270000"/>
+            <a:ext cx="9360000" cy="675000"/>
           </a:xfrm>
           <a:prstGeom prst="rect">
             <a:avLst/>
@@ -1631,7 +1631,7 @@
             <a:noAutofit/>
           </a:bodyPr>
           <a:p>
-            <a:endParaRPr b="1" lang="en-US" sz="3200" spc="-1" strike="noStrike">
+            <a:endParaRPr b="1" lang="en-US" sz="2400" spc="-1" strike="noStrike">
               <a:solidFill>
                 <a:srgbClr val="ffffff"/>
               </a:solidFill>
@@ -1652,8 +1652,8 @@
         </p:nvSpPr>
         <p:spPr>
           <a:xfrm>
-            <a:off x="360000" y="1980000"/>
-            <a:ext cx="9180000" cy="2232000"/>
+            <a:off x="360000" y="1485000"/>
+            <a:ext cx="9180000" cy="1674000"/>
           </a:xfrm>
           <a:prstGeom prst="rect">
             <a:avLst/>
@@ -1664,7 +1664,7 @@
             <a:normAutofit/>
           </a:bodyPr>
           <a:p>
-            <a:endParaRPr b="1" lang="en-US" sz="2600" spc="-1" strike="noStrike">
+            <a:endParaRPr b="1" lang="en-US" sz="1950" spc="-1" strike="noStrike">
               <a:solidFill>
                 <a:srgbClr val="1c1c1c"/>
               </a:solidFill>
@@ -1685,8 +1685,8 @@
         </p:nvSpPr>
         <p:spPr>
           <a:xfrm>
-            <a:off x="360000" y="4424400"/>
-            <a:ext cx="9180000" cy="2232000"/>
+            <a:off x="360000" y="3318480"/>
+            <a:ext cx="9180000" cy="1674000"/>
           </a:xfrm>
           <a:prstGeom prst="rect">
             <a:avLst/>
@@ -1697,7 +1697,7 @@
             <a:normAutofit/>
           </a:bodyPr>
           <a:p>
-            <a:endParaRPr b="1" lang="en-US" sz="2600" spc="-1" strike="noStrike">
+            <a:endParaRPr b="1" lang="en-US" sz="1950" spc="-1" strike="noStrike">
               <a:solidFill>
                 <a:srgbClr val="1c1c1c"/>
               </a:solidFill>
@@ -1740,8 +1740,8 @@
         </p:nvSpPr>
         <p:spPr>
           <a:xfrm>
-            <a:off x="360000" y="360000"/>
-            <a:ext cx="9360000" cy="900000"/>
+            <a:off x="360000" y="270000"/>
+            <a:ext cx="9360000" cy="675000"/>
           </a:xfrm>
           <a:prstGeom prst="rect">
             <a:avLst/>
@@ -1752,7 +1752,7 @@
             <a:noAutofit/>
           </a:bodyPr>
           <a:p>
-            <a:endParaRPr b="1" lang="en-US" sz="3200" spc="-1" strike="noStrike">
+            <a:endParaRPr b="1" lang="en-US" sz="2400" spc="-1" strike="noStrike">
               <a:solidFill>
                 <a:srgbClr val="ffffff"/>
               </a:solidFill>
@@ -1773,8 +1773,8 @@
         </p:nvSpPr>
         <p:spPr>
           <a:xfrm>
-            <a:off x="360000" y="1980000"/>
-            <a:ext cx="4479480" cy="2232000"/>
+            <a:off x="360000" y="1485000"/>
+            <a:ext cx="4479480" cy="1674000"/>
           </a:xfrm>
           <a:prstGeom prst="rect">
             <a:avLst/>
@@ -1785,7 +1785,7 @@
             <a:normAutofit/>
           </a:bodyPr>
           <a:p>
-            <a:endParaRPr b="1" lang="en-US" sz="2600" spc="-1" strike="noStrike">
+            <a:endParaRPr b="1" lang="en-US" sz="1950" spc="-1" strike="noStrike">
               <a:solidFill>
                 <a:srgbClr val="1c1c1c"/>
               </a:solidFill>
@@ -1806,8 +1806,8 @@
         </p:nvSpPr>
         <p:spPr>
           <a:xfrm>
-            <a:off x="5063760" y="1980000"/>
-            <a:ext cx="4479480" cy="2232000"/>
+            <a:off x="5063760" y="1485000"/>
+            <a:ext cx="4479480" cy="1674000"/>
           </a:xfrm>
           <a:prstGeom prst="rect">
             <a:avLst/>
@@ -1818,7 +1818,7 @@
             <a:normAutofit/>
           </a:bodyPr>
           <a:p>
-            <a:endParaRPr b="1" lang="en-US" sz="2600" spc="-1" strike="noStrike">
+            <a:endParaRPr b="1" lang="en-US" sz="1950" spc="-1" strike="noStrike">
               <a:solidFill>
                 <a:srgbClr val="1c1c1c"/>
               </a:solidFill>
@@ -1839,8 +1839,8 @@
         </p:nvSpPr>
         <p:spPr>
           <a:xfrm>
-            <a:off x="360000" y="4424400"/>
-            <a:ext cx="4479480" cy="2232000"/>
+            <a:off x="360000" y="3318480"/>
+            <a:ext cx="4479480" cy="1674000"/>
           </a:xfrm>
           <a:prstGeom prst="rect">
             <a:avLst/>
@@ -1851,7 +1851,7 @@
             <a:normAutofit/>
           </a:bodyPr>
           <a:p>
-            <a:endParaRPr b="1" lang="en-US" sz="2600" spc="-1" strike="noStrike">
+            <a:endParaRPr b="1" lang="en-US" sz="1950" spc="-1" strike="noStrike">
               <a:solidFill>
                 <a:srgbClr val="1c1c1c"/>
               </a:solidFill>
@@ -1872,8 +1872,8 @@
         </p:nvSpPr>
         <p:spPr>
           <a:xfrm>
-            <a:off x="5063760" y="4424400"/>
-            <a:ext cx="4479480" cy="2232000"/>
+            <a:off x="5063760" y="3318480"/>
+            <a:ext cx="4479480" cy="1674000"/>
           </a:xfrm>
           <a:prstGeom prst="rect">
             <a:avLst/>
@@ -1884,7 +1884,7 @@
             <a:normAutofit/>
           </a:bodyPr>
           <a:p>
-            <a:endParaRPr b="1" lang="en-US" sz="2600" spc="-1" strike="noStrike">
+            <a:endParaRPr b="1" lang="en-US" sz="1950" spc="-1" strike="noStrike">
               <a:solidFill>
                 <a:srgbClr val="1c1c1c"/>
               </a:solidFill>
@@ -1927,8 +1927,8 @@
         </p:nvSpPr>
         <p:spPr>
           <a:xfrm>
-            <a:off x="360000" y="360000"/>
-            <a:ext cx="9360000" cy="900000"/>
+            <a:off x="360000" y="270000"/>
+            <a:ext cx="9360000" cy="675000"/>
           </a:xfrm>
           <a:prstGeom prst="rect">
             <a:avLst/>
@@ -1939,7 +1939,7 @@
             <a:noAutofit/>
           </a:bodyPr>
           <a:p>
-            <a:endParaRPr b="1" lang="en-US" sz="3200" spc="-1" strike="noStrike">
+            <a:endParaRPr b="1" lang="en-US" sz="2400" spc="-1" strike="noStrike">
               <a:solidFill>
                 <a:srgbClr val="ffffff"/>
               </a:solidFill>
@@ -1960,8 +1960,8 @@
         </p:nvSpPr>
         <p:spPr>
           <a:xfrm>
-            <a:off x="360000" y="1980000"/>
-            <a:ext cx="2955600" cy="2232000"/>
+            <a:off x="360000" y="1485000"/>
+            <a:ext cx="2955600" cy="1674000"/>
           </a:xfrm>
           <a:prstGeom prst="rect">
             <a:avLst/>
@@ -1972,7 +1972,7 @@
             <a:normAutofit/>
           </a:bodyPr>
           <a:p>
-            <a:endParaRPr b="1" lang="en-US" sz="2600" spc="-1" strike="noStrike">
+            <a:endParaRPr b="1" lang="en-US" sz="1950" spc="-1" strike="noStrike">
               <a:solidFill>
                 <a:srgbClr val="1c1c1c"/>
               </a:solidFill>
@@ -1993,8 +1993,8 @@
         </p:nvSpPr>
         <p:spPr>
           <a:xfrm>
-            <a:off x="3463920" y="1980000"/>
-            <a:ext cx="2955600" cy="2232000"/>
+            <a:off x="3463920" y="1485000"/>
+            <a:ext cx="2955600" cy="1674000"/>
           </a:xfrm>
           <a:prstGeom prst="rect">
             <a:avLst/>
@@ -2005,7 +2005,7 @@
             <a:normAutofit/>
           </a:bodyPr>
           <a:p>
-            <a:endParaRPr b="1" lang="en-US" sz="2600" spc="-1" strike="noStrike">
+            <a:endParaRPr b="1" lang="en-US" sz="1950" spc="-1" strike="noStrike">
               <a:solidFill>
                 <a:srgbClr val="1c1c1c"/>
               </a:solidFill>
@@ -2026,8 +2026,8 @@
         </p:nvSpPr>
         <p:spPr>
           <a:xfrm>
-            <a:off x="6567480" y="1980000"/>
-            <a:ext cx="2955600" cy="2232000"/>
+            <a:off x="6567480" y="1485000"/>
+            <a:ext cx="2955600" cy="1674000"/>
           </a:xfrm>
           <a:prstGeom prst="rect">
             <a:avLst/>
@@ -2038,7 +2038,7 @@
             <a:normAutofit/>
           </a:bodyPr>
           <a:p>
-            <a:endParaRPr b="1" lang="en-US" sz="2600" spc="-1" strike="noStrike">
+            <a:endParaRPr b="1" lang="en-US" sz="1950" spc="-1" strike="noStrike">
               <a:solidFill>
                 <a:srgbClr val="1c1c1c"/>
               </a:solidFill>
@@ -2059,8 +2059,8 @@
         </p:nvSpPr>
         <p:spPr>
           <a:xfrm>
-            <a:off x="360000" y="4424400"/>
-            <a:ext cx="2955600" cy="2232000"/>
+            <a:off x="360000" y="3318480"/>
+            <a:ext cx="2955600" cy="1674000"/>
           </a:xfrm>
           <a:prstGeom prst="rect">
             <a:avLst/>
@@ -2071,7 +2071,7 @@
             <a:normAutofit/>
           </a:bodyPr>
           <a:p>
-            <a:endParaRPr b="1" lang="en-US" sz="2600" spc="-1" strike="noStrike">
+            <a:endParaRPr b="1" lang="en-US" sz="1950" spc="-1" strike="noStrike">
               <a:solidFill>
                 <a:srgbClr val="1c1c1c"/>
               </a:solidFill>
@@ -2092,8 +2092,8 @@
         </p:nvSpPr>
         <p:spPr>
           <a:xfrm>
-            <a:off x="3463920" y="4424400"/>
-            <a:ext cx="2955600" cy="2232000"/>
+            <a:off x="3463920" y="3318480"/>
+            <a:ext cx="2955600" cy="1674000"/>
           </a:xfrm>
           <a:prstGeom prst="rect">
             <a:avLst/>
@@ -2104,7 +2104,7 @@
             <a:normAutofit/>
           </a:bodyPr>
           <a:p>
-            <a:endParaRPr b="1" lang="en-US" sz="2600" spc="-1" strike="noStrike">
+            <a:endParaRPr b="1" lang="en-US" sz="1950" spc="-1" strike="noStrike">
               <a:solidFill>
                 <a:srgbClr val="1c1c1c"/>
               </a:solidFill>
@@ -2125,8 +2125,8 @@
         </p:nvSpPr>
         <p:spPr>
           <a:xfrm>
-            <a:off x="6567480" y="4424400"/>
-            <a:ext cx="2955600" cy="2232000"/>
+            <a:off x="6567480" y="3318480"/>
+            <a:ext cx="2955600" cy="1674000"/>
           </a:xfrm>
           <a:prstGeom prst="rect">
             <a:avLst/>
@@ -2137,7 +2137,7 @@
             <a:normAutofit/>
           </a:bodyPr>
           <a:p>
-            <a:endParaRPr b="1" lang="en-US" sz="2600" spc="-1" strike="noStrike">
+            <a:endParaRPr b="1" lang="en-US" sz="1950" spc="-1" strike="noStrike">
               <a:solidFill>
                 <a:srgbClr val="1c1c1c"/>
               </a:solidFill>
@@ -2180,8 +2180,8 @@
         </p:nvSpPr>
         <p:spPr>
           <a:xfrm>
-            <a:off x="360000" y="360000"/>
-            <a:ext cx="9360000" cy="900000"/>
+            <a:off x="360000" y="270000"/>
+            <a:ext cx="9360000" cy="675000"/>
           </a:xfrm>
           <a:prstGeom prst="rect">
             <a:avLst/>
@@ -2192,7 +2192,7 @@
             <a:noAutofit/>
           </a:bodyPr>
           <a:p>
-            <a:endParaRPr b="1" lang="en-US" sz="3200" spc="-1" strike="noStrike">
+            <a:endParaRPr b="1" lang="en-US" sz="2400" spc="-1" strike="noStrike">
               <a:solidFill>
                 <a:srgbClr val="ffffff"/>
               </a:solidFill>
@@ -2213,8 +2213,8 @@
         </p:nvSpPr>
         <p:spPr>
           <a:xfrm>
-            <a:off x="360000" y="1980000"/>
-            <a:ext cx="9180000" cy="4680000"/>
+            <a:off x="360000" y="1485000"/>
+            <a:ext cx="9180000" cy="3510000"/>
           </a:xfrm>
           <a:prstGeom prst="rect">
             <a:avLst/>
@@ -2225,7 +2225,7 @@
             <a:normAutofit/>
           </a:bodyPr>
           <a:p>
-            <a:endParaRPr b="1" lang="en-US" sz="2600" spc="-1" strike="noStrike">
+            <a:endParaRPr b="1" lang="en-US" sz="1950" spc="-1" strike="noStrike">
               <a:solidFill>
                 <a:srgbClr val="1c1c1c"/>
               </a:solidFill>
@@ -2268,8 +2268,8 @@
         </p:nvSpPr>
         <p:spPr>
           <a:xfrm>
-            <a:off x="360000" y="360000"/>
-            <a:ext cx="9360000" cy="900000"/>
+            <a:off x="360000" y="270000"/>
+            <a:ext cx="9360000" cy="675000"/>
           </a:xfrm>
           <a:prstGeom prst="rect">
             <a:avLst/>
@@ -2280,7 +2280,7 @@
             <a:noAutofit/>
           </a:bodyPr>
           <a:p>
-            <a:endParaRPr b="1" lang="en-US" sz="3200" spc="-1" strike="noStrike">
+            <a:endParaRPr b="1" lang="en-US" sz="2400" spc="-1" strike="noStrike">
               <a:solidFill>
                 <a:srgbClr val="ffffff"/>
               </a:solidFill>
@@ -2301,8 +2301,8 @@
         </p:nvSpPr>
         <p:spPr>
           <a:xfrm>
-            <a:off x="360000" y="1980000"/>
-            <a:ext cx="4479480" cy="4680000"/>
+            <a:off x="360000" y="1485000"/>
+            <a:ext cx="4479480" cy="3510000"/>
           </a:xfrm>
           <a:prstGeom prst="rect">
             <a:avLst/>
@@ -2313,7 +2313,7 @@
             <a:normAutofit/>
           </a:bodyPr>
           <a:p>
-            <a:endParaRPr b="1" lang="en-US" sz="2600" spc="-1" strike="noStrike">
+            <a:endParaRPr b="1" lang="en-US" sz="1950" spc="-1" strike="noStrike">
               <a:solidFill>
                 <a:srgbClr val="1c1c1c"/>
               </a:solidFill>
@@ -2334,8 +2334,8 @@
         </p:nvSpPr>
         <p:spPr>
           <a:xfrm>
-            <a:off x="5063760" y="1980000"/>
-            <a:ext cx="4479480" cy="4680000"/>
+            <a:off x="5063760" y="1485000"/>
+            <a:ext cx="4479480" cy="3510000"/>
           </a:xfrm>
           <a:prstGeom prst="rect">
             <a:avLst/>
@@ -2346,7 +2346,7 @@
             <a:normAutofit/>
           </a:bodyPr>
           <a:p>
-            <a:endParaRPr b="1" lang="en-US" sz="2600" spc="-1" strike="noStrike">
+            <a:endParaRPr b="1" lang="en-US" sz="1950" spc="-1" strike="noStrike">
               <a:solidFill>
                 <a:srgbClr val="1c1c1c"/>
               </a:solidFill>
@@ -2389,8 +2389,8 @@
         </p:nvSpPr>
         <p:spPr>
           <a:xfrm>
-            <a:off x="360000" y="360000"/>
-            <a:ext cx="9360000" cy="900000"/>
+            <a:off x="360000" y="270000"/>
+            <a:ext cx="9360000" cy="675000"/>
           </a:xfrm>
           <a:prstGeom prst="rect">
             <a:avLst/>
@@ -2401,7 +2401,7 @@
             <a:noAutofit/>
           </a:bodyPr>
           <a:p>
-            <a:endParaRPr b="1" lang="en-US" sz="3200" spc="-1" strike="noStrike">
+            <a:endParaRPr b="1" lang="en-US" sz="2400" spc="-1" strike="noStrike">
               <a:solidFill>
                 <a:srgbClr val="ffffff"/>
               </a:solidFill>
@@ -2444,8 +2444,8 @@
         </p:nvSpPr>
         <p:spPr>
           <a:xfrm>
-            <a:off x="360000" y="360000"/>
-            <a:ext cx="9360000" cy="4173120"/>
+            <a:off x="360000" y="270000"/>
+            <a:ext cx="9360000" cy="3130200"/>
           </a:xfrm>
           <a:prstGeom prst="rect">
             <a:avLst/>
@@ -2499,8 +2499,8 @@
         </p:nvSpPr>
         <p:spPr>
           <a:xfrm>
-            <a:off x="360000" y="360000"/>
-            <a:ext cx="9360000" cy="900000"/>
+            <a:off x="360000" y="270000"/>
+            <a:ext cx="9360000" cy="675000"/>
           </a:xfrm>
           <a:prstGeom prst="rect">
             <a:avLst/>
@@ -2511,7 +2511,7 @@
             <a:noAutofit/>
           </a:bodyPr>
           <a:p>
-            <a:endParaRPr b="1" lang="en-US" sz="3200" spc="-1" strike="noStrike">
+            <a:endParaRPr b="1" lang="en-US" sz="2400" spc="-1" strike="noStrike">
               <a:solidFill>
                 <a:srgbClr val="ffffff"/>
               </a:solidFill>
@@ -2532,8 +2532,8 @@
         </p:nvSpPr>
         <p:spPr>
           <a:xfrm>
-            <a:off x="360000" y="1980000"/>
-            <a:ext cx="4479480" cy="2232000"/>
+            <a:off x="360000" y="1485000"/>
+            <a:ext cx="4479480" cy="1674000"/>
           </a:xfrm>
           <a:prstGeom prst="rect">
             <a:avLst/>
@@ -2544,7 +2544,7 @@
             <a:normAutofit/>
           </a:bodyPr>
           <a:p>
-            <a:endParaRPr b="1" lang="en-US" sz="2600" spc="-1" strike="noStrike">
+            <a:endParaRPr b="1" lang="en-US" sz="1950" spc="-1" strike="noStrike">
               <a:solidFill>
                 <a:srgbClr val="1c1c1c"/>
               </a:solidFill>
@@ -2565,8 +2565,8 @@
         </p:nvSpPr>
         <p:spPr>
           <a:xfrm>
-            <a:off x="5063760" y="1980000"/>
-            <a:ext cx="4479480" cy="4680000"/>
+            <a:off x="5063760" y="1485000"/>
+            <a:ext cx="4479480" cy="3510000"/>
           </a:xfrm>
           <a:prstGeom prst="rect">
             <a:avLst/>
@@ -2577,7 +2577,7 @@
             <a:normAutofit/>
           </a:bodyPr>
           <a:p>
-            <a:endParaRPr b="1" lang="en-US" sz="2600" spc="-1" strike="noStrike">
+            <a:endParaRPr b="1" lang="en-US" sz="1950" spc="-1" strike="noStrike">
               <a:solidFill>
                 <a:srgbClr val="1c1c1c"/>
               </a:solidFill>
@@ -2598,8 +2598,8 @@
         </p:nvSpPr>
         <p:spPr>
           <a:xfrm>
-            <a:off x="360000" y="4424400"/>
-            <a:ext cx="4479480" cy="2232000"/>
+            <a:off x="360000" y="3318480"/>
+            <a:ext cx="4479480" cy="1674000"/>
           </a:xfrm>
           <a:prstGeom prst="rect">
             <a:avLst/>
@@ -2610,7 +2610,7 @@
             <a:normAutofit/>
           </a:bodyPr>
           <a:p>
-            <a:endParaRPr b="1" lang="en-US" sz="2600" spc="-1" strike="noStrike">
+            <a:endParaRPr b="1" lang="en-US" sz="1950" spc="-1" strike="noStrike">
               <a:solidFill>
                 <a:srgbClr val="1c1c1c"/>
               </a:solidFill>
@@ -2653,8 +2653,8 @@
         </p:nvSpPr>
         <p:spPr>
           <a:xfrm>
-            <a:off x="360000" y="360000"/>
-            <a:ext cx="9360000" cy="900000"/>
+            <a:off x="360000" y="270000"/>
+            <a:ext cx="9360000" cy="675000"/>
           </a:xfrm>
           <a:prstGeom prst="rect">
             <a:avLst/>
@@ -2665,7 +2665,7 @@
             <a:noAutofit/>
           </a:bodyPr>
           <a:p>
-            <a:endParaRPr b="1" lang="en-US" sz="3200" spc="-1" strike="noStrike">
+            <a:endParaRPr b="1" lang="en-US" sz="2400" spc="-1" strike="noStrike">
               <a:solidFill>
                 <a:srgbClr val="ffffff"/>
               </a:solidFill>
@@ -2686,8 +2686,8 @@
         </p:nvSpPr>
         <p:spPr>
           <a:xfrm>
-            <a:off x="360000" y="1980000"/>
-            <a:ext cx="4479480" cy="4680000"/>
+            <a:off x="360000" y="1485000"/>
+            <a:ext cx="4479480" cy="3510000"/>
           </a:xfrm>
           <a:prstGeom prst="rect">
             <a:avLst/>
@@ -2698,7 +2698,7 @@
             <a:normAutofit/>
           </a:bodyPr>
           <a:p>
-            <a:endParaRPr b="1" lang="en-US" sz="2600" spc="-1" strike="noStrike">
+            <a:endParaRPr b="1" lang="en-US" sz="1950" spc="-1" strike="noStrike">
               <a:solidFill>
                 <a:srgbClr val="1c1c1c"/>
               </a:solidFill>
@@ -2719,8 +2719,8 @@
         </p:nvSpPr>
         <p:spPr>
           <a:xfrm>
-            <a:off x="5063760" y="1980000"/>
-            <a:ext cx="4479480" cy="2232000"/>
+            <a:off x="5063760" y="1485000"/>
+            <a:ext cx="4479480" cy="1674000"/>
           </a:xfrm>
           <a:prstGeom prst="rect">
             <a:avLst/>
@@ -2731,7 +2731,7 @@
             <a:normAutofit/>
           </a:bodyPr>
           <a:p>
-            <a:endParaRPr b="1" lang="en-US" sz="2600" spc="-1" strike="noStrike">
+            <a:endParaRPr b="1" lang="en-US" sz="1950" spc="-1" strike="noStrike">
               <a:solidFill>
                 <a:srgbClr val="1c1c1c"/>
               </a:solidFill>
@@ -2752,8 +2752,8 @@
         </p:nvSpPr>
         <p:spPr>
           <a:xfrm>
-            <a:off x="5063760" y="4424400"/>
-            <a:ext cx="4479480" cy="2232000"/>
+            <a:off x="5063760" y="3318480"/>
+            <a:ext cx="4479480" cy="1674000"/>
           </a:xfrm>
           <a:prstGeom prst="rect">
             <a:avLst/>
@@ -2764,7 +2764,7 @@
             <a:normAutofit/>
           </a:bodyPr>
           <a:p>
-            <a:endParaRPr b="1" lang="en-US" sz="2600" spc="-1" strike="noStrike">
+            <a:endParaRPr b="1" lang="en-US" sz="1950" spc="-1" strike="noStrike">
               <a:solidFill>
                 <a:srgbClr val="1c1c1c"/>
               </a:solidFill>
@@ -2807,8 +2807,8 @@
         </p:nvSpPr>
         <p:spPr>
           <a:xfrm>
-            <a:off x="360000" y="360000"/>
-            <a:ext cx="9360000" cy="900000"/>
+            <a:off x="360000" y="270000"/>
+            <a:ext cx="9360000" cy="675000"/>
           </a:xfrm>
           <a:prstGeom prst="rect">
             <a:avLst/>
@@ -2819,7 +2819,7 @@
             <a:noAutofit/>
           </a:bodyPr>
           <a:p>
-            <a:endParaRPr b="1" lang="en-US" sz="3200" spc="-1" strike="noStrike">
+            <a:endParaRPr b="1" lang="en-US" sz="2400" spc="-1" strike="noStrike">
               <a:solidFill>
                 <a:srgbClr val="ffffff"/>
               </a:solidFill>
@@ -2840,8 +2840,8 @@
         </p:nvSpPr>
         <p:spPr>
           <a:xfrm>
-            <a:off x="360000" y="1980000"/>
-            <a:ext cx="4479480" cy="2232000"/>
+            <a:off x="360000" y="1485000"/>
+            <a:ext cx="4479480" cy="1674000"/>
           </a:xfrm>
           <a:prstGeom prst="rect">
             <a:avLst/>
@@ -2852,7 +2852,7 @@
             <a:normAutofit/>
           </a:bodyPr>
           <a:p>
-            <a:endParaRPr b="1" lang="en-US" sz="2600" spc="-1" strike="noStrike">
+            <a:endParaRPr b="1" lang="en-US" sz="1950" spc="-1" strike="noStrike">
               <a:solidFill>
                 <a:srgbClr val="1c1c1c"/>
               </a:solidFill>
@@ -2873,8 +2873,8 @@
         </p:nvSpPr>
         <p:spPr>
           <a:xfrm>
-            <a:off x="5063760" y="1980000"/>
-            <a:ext cx="4479480" cy="2232000"/>
+            <a:off x="5063760" y="1485000"/>
+            <a:ext cx="4479480" cy="1674000"/>
           </a:xfrm>
           <a:prstGeom prst="rect">
             <a:avLst/>
@@ -2885,7 +2885,7 @@
             <a:normAutofit/>
           </a:bodyPr>
           <a:p>
-            <a:endParaRPr b="1" lang="en-US" sz="2600" spc="-1" strike="noStrike">
+            <a:endParaRPr b="1" lang="en-US" sz="1950" spc="-1" strike="noStrike">
               <a:solidFill>
                 <a:srgbClr val="1c1c1c"/>
               </a:solidFill>
@@ -2906,8 +2906,8 @@
         </p:nvSpPr>
         <p:spPr>
           <a:xfrm>
-            <a:off x="360000" y="4424400"/>
-            <a:ext cx="9180000" cy="2232000"/>
+            <a:off x="360000" y="3318480"/>
+            <a:ext cx="9180000" cy="1674000"/>
           </a:xfrm>
           <a:prstGeom prst="rect">
             <a:avLst/>
@@ -2918,7 +2918,7 @@
             <a:normAutofit/>
           </a:bodyPr>
           <a:p>
-            <a:endParaRPr b="1" lang="en-US" sz="2600" spc="-1" strike="noStrike">
+            <a:endParaRPr b="1" lang="en-US" sz="1950" spc="-1" strike="noStrike">
               <a:solidFill>
                 <a:srgbClr val="1c1c1c"/>
               </a:solidFill>
@@ -2957,8 +2957,8 @@
         </p:nvSpPr>
         <p:spPr>
           <a:xfrm>
-            <a:off x="0" y="180000"/>
-            <a:ext cx="9720000" cy="1260000"/>
+            <a:off x="0" y="135000"/>
+            <a:ext cx="9720000" cy="945000"/>
           </a:xfrm>
           <a:prstGeom prst="rect">
             <a:avLst/>
@@ -2985,8 +2985,8 @@
         </p:nvSpPr>
         <p:spPr>
           <a:xfrm>
-            <a:off x="7560000" y="6840000"/>
-            <a:ext cx="2520000" cy="540000"/>
+            <a:off x="7560000" y="5130000"/>
+            <a:ext cx="2520000" cy="405000"/>
           </a:xfrm>
           <a:prstGeom prst="rect">
             <a:avLst/>
@@ -3013,8 +3013,8 @@
         </p:nvSpPr>
         <p:spPr>
           <a:xfrm>
-            <a:off x="900000" y="6840000"/>
-            <a:ext cx="6480000" cy="540000"/>
+            <a:off x="900000" y="5130000"/>
+            <a:ext cx="6480000" cy="405000"/>
           </a:xfrm>
           <a:prstGeom prst="rect">
             <a:avLst/>
@@ -3041,8 +3041,8 @@
         </p:nvSpPr>
         <p:spPr>
           <a:xfrm>
-            <a:off x="180000" y="6840000"/>
-            <a:ext cx="540000" cy="540000"/>
+            <a:off x="180000" y="5130000"/>
+            <a:ext cx="540000" cy="405000"/>
           </a:xfrm>
           <a:prstGeom prst="rect">
             <a:avLst/>
@@ -3071,8 +3071,8 @@
         </p:nvSpPr>
         <p:spPr>
           <a:xfrm>
-            <a:off x="360000" y="360000"/>
-            <a:ext cx="9360000" cy="900000"/>
+            <a:off x="360000" y="270000"/>
+            <a:ext cx="9360000" cy="675000"/>
           </a:xfrm>
           <a:prstGeom prst="rect">
             <a:avLst/>
@@ -3084,7 +3084,7 @@
           </a:bodyPr>
           <a:p>
             <a:r>
-              <a:rPr b="1" lang="en-US" sz="3200" spc="-1" strike="noStrike">
+              <a:rPr b="1" lang="en-US" sz="2400" spc="-1" strike="noStrike">
                 <a:solidFill>
                   <a:srgbClr val="ffffff"/>
                 </a:solidFill>
@@ -3092,7 +3092,7 @@
               </a:rPr>
               <a:t>Click to edit the title text format</a:t>
             </a:r>
-            <a:endParaRPr b="1" lang="en-US" sz="3200" spc="-1" strike="noStrike">
+            <a:endParaRPr b="1" lang="en-US" sz="2400" spc="-1" strike="noStrike">
               <a:solidFill>
                 <a:srgbClr val="ffffff"/>
               </a:solidFill>
@@ -3113,8 +3113,8 @@
         </p:nvSpPr>
         <p:spPr>
           <a:xfrm>
-            <a:off x="360000" y="1980000"/>
-            <a:ext cx="9180000" cy="4680000"/>
+            <a:off x="360000" y="1485000"/>
+            <a:ext cx="9180000" cy="3510000"/>
           </a:xfrm>
           <a:prstGeom prst="rect">
             <a:avLst/>
@@ -3127,11 +3127,11 @@
           <a:p>
             <a:pPr>
               <a:spcAft>
-                <a:spcPts val="1142"/>
+                <a:spcPts val="853"/>
               </a:spcAft>
             </a:pPr>
             <a:r>
-              <a:rPr b="1" lang="en-US" sz="2600" spc="-1" strike="noStrike">
+              <a:rPr b="1" lang="en-US" sz="1950" spc="-1" strike="noStrike">
                 <a:solidFill>
                   <a:srgbClr val="1c1c1c"/>
                 </a:solidFill>
@@ -3139,7 +3139,7 @@
               </a:rPr>
               <a:t>Click to edit the outline text format</a:t>
             </a:r>
-            <a:endParaRPr b="1" lang="en-US" sz="2600" spc="-1" strike="noStrike">
+            <a:endParaRPr b="1" lang="en-US" sz="1950" spc="-1" strike="noStrike">
               <a:solidFill>
                 <a:srgbClr val="1c1c1c"/>
               </a:solidFill>
@@ -3149,11 +3149,11 @@
           <a:p>
             <a:pPr lvl="1" marL="288000">
               <a:spcAft>
-                <a:spcPts val="1134"/>
+                <a:spcPts val="848"/>
               </a:spcAft>
             </a:pPr>
             <a:r>
-              <a:rPr b="0" lang="en-US" sz="2200" spc="-1" strike="noStrike">
+              <a:rPr b="0" lang="en-US" sz="1650" spc="-1" strike="noStrike">
                 <a:solidFill>
                   <a:srgbClr val="1c1c1c"/>
                 </a:solidFill>
@@ -3161,7 +3161,7 @@
               </a:rPr>
               <a:t>Second Outline Level</a:t>
             </a:r>
-            <a:endParaRPr b="0" lang="en-US" sz="2200" spc="-1" strike="noStrike">
+            <a:endParaRPr b="0" lang="en-US" sz="1650" spc="-1" strike="noStrike">
               <a:solidFill>
                 <a:srgbClr val="1c1c1c"/>
               </a:solidFill>
@@ -3171,11 +3171,11 @@
           <a:p>
             <a:pPr lvl="2" marL="576000">
               <a:spcAft>
-                <a:spcPts val="850"/>
+                <a:spcPts val="635"/>
               </a:spcAft>
             </a:pPr>
             <a:r>
-              <a:rPr b="0" lang="en-US" sz="1800" spc="-1" strike="noStrike">
+              <a:rPr b="0" lang="en-US" sz="1350" spc="-1" strike="noStrike">
                 <a:solidFill>
                   <a:srgbClr val="1c1c1c"/>
                 </a:solidFill>
@@ -3183,7 +3183,7 @@
               </a:rPr>
               <a:t>Third Outline Level</a:t>
             </a:r>
-            <a:endParaRPr b="0" lang="en-US" sz="1800" spc="-1" strike="noStrike">
+            <a:endParaRPr b="0" lang="en-US" sz="1350" spc="-1" strike="noStrike">
               <a:solidFill>
                 <a:srgbClr val="1c1c1c"/>
               </a:solidFill>
@@ -3193,11 +3193,11 @@
           <a:p>
             <a:pPr lvl="3" marL="864000">
               <a:spcAft>
-                <a:spcPts val="567"/>
+                <a:spcPts val="425"/>
               </a:spcAft>
             </a:pPr>
             <a:r>
-              <a:rPr b="0" lang="en-US" sz="1600" spc="-1" strike="noStrike">
+              <a:rPr b="0" lang="en-US" sz="1200" spc="-1" strike="noStrike">
                 <a:solidFill>
                   <a:srgbClr val="1c1c1c"/>
                 </a:solidFill>
@@ -3205,7 +3205,7 @@
               </a:rPr>
               <a:t>Fourth Outline Level</a:t>
             </a:r>
-            <a:endParaRPr b="0" lang="en-US" sz="1600" spc="-1" strike="noStrike">
+            <a:endParaRPr b="0" lang="en-US" sz="1200" spc="-1" strike="noStrike">
               <a:solidFill>
                 <a:srgbClr val="1c1c1c"/>
               </a:solidFill>
@@ -3215,11 +3215,11 @@
           <a:p>
             <a:pPr lvl="4" marL="1152000">
               <a:spcAft>
-                <a:spcPts val="283"/>
+                <a:spcPts val="213"/>
               </a:spcAft>
             </a:pPr>
             <a:r>
-              <a:rPr b="0" lang="en-US" sz="1600" spc="-1" strike="noStrike">
+              <a:rPr b="0" lang="en-US" sz="1200" spc="-1" strike="noStrike">
                 <a:solidFill>
                   <a:srgbClr val="1c1c1c"/>
                 </a:solidFill>
@@ -3227,7 +3227,7 @@
               </a:rPr>
               <a:t>Fifth Outline Level</a:t>
             </a:r>
-            <a:endParaRPr b="0" lang="en-US" sz="1600" spc="-1" strike="noStrike">
+            <a:endParaRPr b="0" lang="en-US" sz="1200" spc="-1" strike="noStrike">
               <a:solidFill>
                 <a:srgbClr val="1c1c1c"/>
               </a:solidFill>
@@ -3237,11 +3237,11 @@
           <a:p>
             <a:pPr lvl="5" marL="1440000">
               <a:spcAft>
-                <a:spcPts val="283"/>
+                <a:spcPts val="213"/>
               </a:spcAft>
             </a:pPr>
             <a:r>
-              <a:rPr b="0" lang="en-US" sz="1600" spc="-1" strike="noStrike">
+              <a:rPr b="0" lang="en-US" sz="1200" spc="-1" strike="noStrike">
                 <a:solidFill>
                   <a:srgbClr val="1c1c1c"/>
                 </a:solidFill>
@@ -3249,7 +3249,7 @@
               </a:rPr>
               <a:t>Sixth Outline Level</a:t>
             </a:r>
-            <a:endParaRPr b="0" lang="en-US" sz="1600" spc="-1" strike="noStrike">
+            <a:endParaRPr b="0" lang="en-US" sz="1200" spc="-1" strike="noStrike">
               <a:solidFill>
                 <a:srgbClr val="1c1c1c"/>
               </a:solidFill>
@@ -3259,11 +3259,11 @@
           <a:p>
             <a:pPr lvl="6" marL="1728000">
               <a:spcAft>
-                <a:spcPts val="283"/>
+                <a:spcPts val="213"/>
               </a:spcAft>
             </a:pPr>
             <a:r>
-              <a:rPr b="0" lang="en-US" sz="1600" spc="-1" strike="noStrike">
+              <a:rPr b="0" lang="en-US" sz="1200" spc="-1" strike="noStrike">
                 <a:solidFill>
                   <a:srgbClr val="1c1c1c"/>
                 </a:solidFill>
@@ -3271,7 +3271,7 @@
               </a:rPr>
               <a:t>Seventh Outline Level</a:t>
             </a:r>
-            <a:endParaRPr b="0" lang="en-US" sz="1600" spc="-1" strike="noStrike">
+            <a:endParaRPr b="0" lang="en-US" sz="1200" spc="-1" strike="noStrike">
               <a:solidFill>
                 <a:srgbClr val="1c1c1c"/>
               </a:solidFill>
@@ -3292,8 +3292,8 @@
         </p:nvSpPr>
         <p:spPr>
           <a:xfrm>
-            <a:off x="7560000" y="6840000"/>
-            <a:ext cx="2340000" cy="521640"/>
+            <a:off x="7560000" y="5130000"/>
+            <a:ext cx="2340000" cy="391320"/>
           </a:xfrm>
           <a:prstGeom prst="rect">
             <a:avLst/>
@@ -3335,8 +3335,8 @@
         </p:nvSpPr>
         <p:spPr>
           <a:xfrm>
-            <a:off x="1080000" y="6840000"/>
-            <a:ext cx="3240000" cy="540000"/>
+            <a:off x="1080000" y="5130000"/>
+            <a:ext cx="3240000" cy="405000"/>
           </a:xfrm>
           <a:prstGeom prst="rect">
             <a:avLst/>
@@ -3378,8 +3378,8 @@
         </p:nvSpPr>
         <p:spPr>
           <a:xfrm>
-            <a:off x="180000" y="6840000"/>
-            <a:ext cx="540000" cy="540000"/>
+            <a:off x="180000" y="5130000"/>
+            <a:ext cx="540000" cy="405000"/>
           </a:xfrm>
           <a:prstGeom prst="rect">
             <a:avLst/>
@@ -3391,7 +3391,7 @@
           </a:bodyPr>
           <a:p>
             <a:pPr algn="ctr"/>
-            <a:fld id="{CE57318E-1AE4-4A4F-8F95-A2E7724B01F5}" type="slidenum">
+            <a:fld id="{6739CA92-EC6C-4675-9307-D6BCD080928E}" type="slidenum">
               <a:rPr b="1" lang="en-US" sz="1800" spc="-1" strike="noStrike">
                 <a:solidFill>
                   <a:srgbClr val="ffffff"/>
@@ -3454,8 +3454,8 @@
         </p:nvSpPr>
         <p:spPr>
           <a:xfrm>
-            <a:off x="0" y="3150000"/>
-            <a:ext cx="9720000" cy="1260000"/>
+            <a:off x="0" y="2362320"/>
+            <a:ext cx="9720000" cy="945000"/>
           </a:xfrm>
           <a:prstGeom prst="rect">
             <a:avLst/>
@@ -3486,8 +3486,8 @@
         </p:nvSpPr>
         <p:spPr>
           <a:xfrm>
-            <a:off x="360000" y="3330000"/>
-            <a:ext cx="9360000" cy="900000"/>
+            <a:off x="360000" y="2497320"/>
+            <a:ext cx="9360000" cy="675000"/>
           </a:xfrm>
           <a:prstGeom prst="rect">
             <a:avLst/>
@@ -3499,7 +3499,7 @@
           </a:bodyPr>
           <a:p>
             <a:r>
-              <a:rPr b="1" lang="en-US" sz="3200" spc="-1" strike="noStrike">
+              <a:rPr b="1" lang="en-US" sz="2400" spc="-1" strike="noStrike">
                 <a:solidFill>
                   <a:srgbClr val="ffffff"/>
                 </a:solidFill>
@@ -3507,7 +3507,7 @@
               </a:rPr>
               <a:t>Click to edit the title text format</a:t>
             </a:r>
-            <a:endParaRPr b="1" lang="en-US" sz="3200" spc="-1" strike="noStrike">
+            <a:endParaRPr b="1" lang="en-US" sz="2400" spc="-1" strike="noStrike">
               <a:solidFill>
                 <a:srgbClr val="ffffff"/>
               </a:solidFill>
@@ -3528,8 +3528,8 @@
         </p:nvSpPr>
         <p:spPr>
           <a:xfrm>
-            <a:off x="540000" y="4680000"/>
-            <a:ext cx="9180000" cy="2520000"/>
+            <a:off x="540000" y="3510000"/>
+            <a:ext cx="9180000" cy="1890000"/>
           </a:xfrm>
           <a:prstGeom prst="rect">
             <a:avLst/>
@@ -3542,11 +3542,11 @@
           <a:p>
             <a:pPr>
               <a:spcAft>
-                <a:spcPts val="1142"/>
+                <a:spcPts val="853"/>
               </a:spcAft>
             </a:pPr>
             <a:r>
-              <a:rPr b="1" lang="en-US" sz="2600" spc="-1" strike="noStrike">
+              <a:rPr b="1" lang="en-US" sz="1950" spc="-1" strike="noStrike">
                 <a:solidFill>
                   <a:srgbClr val="1c1c1c"/>
                 </a:solidFill>
@@ -3554,7 +3554,7 @@
               </a:rPr>
               <a:t>Click to edit the outline text format</a:t>
             </a:r>
-            <a:endParaRPr b="1" lang="en-US" sz="2600" spc="-1" strike="noStrike">
+            <a:endParaRPr b="1" lang="en-US" sz="1950" spc="-1" strike="noStrike">
               <a:solidFill>
                 <a:srgbClr val="1c1c1c"/>
               </a:solidFill>
@@ -3564,11 +3564,11 @@
           <a:p>
             <a:pPr lvl="1" marL="288000">
               <a:spcAft>
-                <a:spcPts val="1131"/>
+                <a:spcPts val="848"/>
               </a:spcAft>
             </a:pPr>
             <a:r>
-              <a:rPr b="0" lang="en-US" sz="2200" spc="-1" strike="noStrike">
+              <a:rPr b="0" lang="en-US" sz="1650" spc="-1" strike="noStrike">
                 <a:solidFill>
                   <a:srgbClr val="1c1c1c"/>
                 </a:solidFill>
@@ -3576,7 +3576,7 @@
               </a:rPr>
               <a:t>Second Outline Level</a:t>
             </a:r>
-            <a:endParaRPr b="0" lang="en-US" sz="2200" spc="-1" strike="noStrike">
+            <a:endParaRPr b="0" lang="en-US" sz="1650" spc="-1" strike="noStrike">
               <a:solidFill>
                 <a:srgbClr val="1c1c1c"/>
               </a:solidFill>
@@ -3586,11 +3586,11 @@
           <a:p>
             <a:pPr lvl="2" marL="576000">
               <a:spcAft>
-                <a:spcPts val="850"/>
+                <a:spcPts val="635"/>
               </a:spcAft>
             </a:pPr>
             <a:r>
-              <a:rPr b="0" lang="en-US" sz="1800" spc="-1" strike="noStrike">
+              <a:rPr b="0" lang="en-US" sz="1350" spc="-1" strike="noStrike">
                 <a:solidFill>
                   <a:srgbClr val="1c1c1c"/>
                 </a:solidFill>
@@ -3598,7 +3598,7 @@
               </a:rPr>
               <a:t>Third Outline Level</a:t>
             </a:r>
-            <a:endParaRPr b="0" lang="en-US" sz="1800" spc="-1" strike="noStrike">
+            <a:endParaRPr b="0" lang="en-US" sz="1350" spc="-1" strike="noStrike">
               <a:solidFill>
                 <a:srgbClr val="1c1c1c"/>
               </a:solidFill>
@@ -3608,11 +3608,11 @@
           <a:p>
             <a:pPr lvl="3" marL="864000">
               <a:spcAft>
-                <a:spcPts val="567"/>
+                <a:spcPts val="425"/>
               </a:spcAft>
             </a:pPr>
             <a:r>
-              <a:rPr b="0" lang="en-US" sz="1600" spc="-1" strike="noStrike">
+              <a:rPr b="0" lang="en-US" sz="1200" spc="-1" strike="noStrike">
                 <a:solidFill>
                   <a:srgbClr val="1c1c1c"/>
                 </a:solidFill>
@@ -3620,7 +3620,7 @@
               </a:rPr>
               <a:t>Fourth Outline Level</a:t>
             </a:r>
-            <a:endParaRPr b="0" lang="en-US" sz="1600" spc="-1" strike="noStrike">
+            <a:endParaRPr b="0" lang="en-US" sz="1200" spc="-1" strike="noStrike">
               <a:solidFill>
                 <a:srgbClr val="1c1c1c"/>
               </a:solidFill>
@@ -3630,11 +3630,11 @@
           <a:p>
             <a:pPr lvl="4" marL="1152000">
               <a:spcAft>
-                <a:spcPts val="283"/>
+                <a:spcPts val="213"/>
               </a:spcAft>
             </a:pPr>
             <a:r>
-              <a:rPr b="0" lang="en-US" sz="1600" spc="-1" strike="noStrike">
+              <a:rPr b="0" lang="en-US" sz="1200" spc="-1" strike="noStrike">
                 <a:solidFill>
                   <a:srgbClr val="1c1c1c"/>
                 </a:solidFill>
@@ -3642,7 +3642,7 @@
               </a:rPr>
               <a:t>Fifth Outline Level</a:t>
             </a:r>
-            <a:endParaRPr b="0" lang="en-US" sz="1600" spc="-1" strike="noStrike">
+            <a:endParaRPr b="0" lang="en-US" sz="1200" spc="-1" strike="noStrike">
               <a:solidFill>
                 <a:srgbClr val="1c1c1c"/>
               </a:solidFill>
@@ -3652,11 +3652,11 @@
           <a:p>
             <a:pPr lvl="5" marL="1440000">
               <a:spcAft>
-                <a:spcPts val="283"/>
+                <a:spcPts val="213"/>
               </a:spcAft>
             </a:pPr>
             <a:r>
-              <a:rPr b="0" lang="en-US" sz="1600" spc="-1" strike="noStrike">
+              <a:rPr b="0" lang="en-US" sz="1200" spc="-1" strike="noStrike">
                 <a:solidFill>
                   <a:srgbClr val="1c1c1c"/>
                 </a:solidFill>
@@ -3664,7 +3664,7 @@
               </a:rPr>
               <a:t>Sixth Outline Level</a:t>
             </a:r>
-            <a:endParaRPr b="0" lang="en-US" sz="1600" spc="-1" strike="noStrike">
+            <a:endParaRPr b="0" lang="en-US" sz="1200" spc="-1" strike="noStrike">
               <a:solidFill>
                 <a:srgbClr val="1c1c1c"/>
               </a:solidFill>
@@ -3674,11 +3674,11 @@
           <a:p>
             <a:pPr lvl="6" marL="1728000">
               <a:spcAft>
-                <a:spcPts val="283"/>
+                <a:spcPts val="213"/>
               </a:spcAft>
             </a:pPr>
             <a:r>
-              <a:rPr b="0" lang="en-US" sz="1600" spc="-1" strike="noStrike">
+              <a:rPr b="0" lang="en-US" sz="1200" spc="-1" strike="noStrike">
                 <a:solidFill>
                   <a:srgbClr val="1c1c1c"/>
                 </a:solidFill>
@@ -3686,7 +3686,7 @@
               </a:rPr>
               <a:t>Seventh Outline Level</a:t>
             </a:r>
-            <a:endParaRPr b="0" lang="en-US" sz="1600" spc="-1" strike="noStrike">
+            <a:endParaRPr b="0" lang="en-US" sz="1200" spc="-1" strike="noStrike">
               <a:solidFill>
                 <a:srgbClr val="1c1c1c"/>
               </a:solidFill>
@@ -3707,8 +3707,8 @@
         </p:nvSpPr>
         <p:spPr>
           <a:xfrm>
-            <a:off x="7560000" y="6840000"/>
-            <a:ext cx="2340000" cy="540000"/>
+            <a:off x="7560000" y="5130000"/>
+            <a:ext cx="2340000" cy="405000"/>
           </a:xfrm>
           <a:prstGeom prst="rect">
             <a:avLst/>
@@ -3749,8 +3749,8 @@
         </p:nvSpPr>
         <p:spPr>
           <a:xfrm>
-            <a:off x="1080000" y="6840000"/>
-            <a:ext cx="3240000" cy="540000"/>
+            <a:off x="1080000" y="5130000"/>
+            <a:ext cx="3240000" cy="405000"/>
           </a:xfrm>
           <a:prstGeom prst="rect">
             <a:avLst/>
@@ -3792,8 +3792,8 @@
         </p:nvSpPr>
         <p:spPr>
           <a:xfrm>
-            <a:off x="180000" y="6840000"/>
-            <a:ext cx="540000" cy="540000"/>
+            <a:off x="180000" y="5130000"/>
+            <a:ext cx="540000" cy="405000"/>
           </a:xfrm>
           <a:prstGeom prst="rect">
             <a:avLst/>
@@ -3805,7 +3805,7 @@
           </a:bodyPr>
           <a:p>
             <a:pPr algn="r"/>
-            <a:fld id="{34D2CFED-38B9-4195-9B86-554274D715FC}" type="slidenum">
+            <a:fld id="{C0AE8D90-9DD7-4726-B07C-14A6B0FAD969}" type="slidenum">
               <a:rPr b="1" lang="en-US" sz="1800" spc="-1" strike="noStrike">
                 <a:solidFill>
                   <a:srgbClr val="e74c3c"/>
@@ -3868,8 +3868,8 @@
         </p:nvSpPr>
         <p:spPr>
           <a:xfrm>
-            <a:off x="360000" y="3330000"/>
-            <a:ext cx="9360000" cy="900000"/>
+            <a:off x="360000" y="2497320"/>
+            <a:ext cx="9360000" cy="675000"/>
           </a:xfrm>
           <a:prstGeom prst="rect">
             <a:avLst/>
@@ -3885,7 +3885,7 @@
           </a:bodyPr>
           <a:p>
             <a:r>
-              <a:rPr b="1" lang="en-US" sz="3200" spc="-1" strike="noStrike">
+              <a:rPr b="1" lang="en-US" sz="2400" spc="-1" strike="noStrike">
                 <a:solidFill>
                   <a:srgbClr val="ffffff"/>
                 </a:solidFill>
@@ -3893,7 +3893,7 @@
               </a:rPr>
               <a:t>TRAIT EXTRACTION</a:t>
             </a:r>
-            <a:endParaRPr b="1" lang="en-US" sz="3200" spc="-1" strike="noStrike">
+            <a:endParaRPr b="1" lang="en-US" sz="2400" spc="-1" strike="noStrike">
               <a:solidFill>
                 <a:srgbClr val="ffffff"/>
               </a:solidFill>
@@ -3910,8 +3910,8 @@
         </p:nvSpPr>
         <p:spPr>
           <a:xfrm>
-            <a:off x="540000" y="4680000"/>
-            <a:ext cx="9180000" cy="2520000"/>
+            <a:off x="540000" y="3510000"/>
+            <a:ext cx="9180000" cy="1890000"/>
           </a:xfrm>
           <a:prstGeom prst="rect">
             <a:avLst/>
@@ -3928,7 +3928,7 @@
           <a:p>
             <a:pPr algn="ctr"/>
             <a:r>
-              <a:rPr b="1" lang="en-US" sz="2200" spc="-1" strike="noStrike">
+              <a:rPr b="1" lang="en-US" sz="1650" spc="-1" strike="noStrike">
                 <a:solidFill>
                   <a:srgbClr val="1c1c1c"/>
                 </a:solidFill>
@@ -3936,7 +3936,7 @@
               </a:rPr>
               <a:t>Tulane Group</a:t>
             </a:r>
-            <a:endParaRPr b="0" lang="en-US" sz="2200" spc="-1" strike="noStrike">
+            <a:endParaRPr b="0" lang="en-US" sz="1650" spc="-1" strike="noStrike">
               <a:solidFill>
                 <a:srgbClr val="1c1c1c"/>
               </a:solidFill>
@@ -3946,7 +3946,7 @@
           <a:p>
             <a:pPr algn="ctr"/>
             <a:r>
-              <a:rPr b="0" lang="en-US" sz="2200" spc="-1" strike="noStrike">
+              <a:rPr b="0" lang="en-US" sz="1650" spc="-1" strike="noStrike">
                 <a:solidFill>
                   <a:srgbClr val="1c1c1c"/>
                 </a:solidFill>
@@ -3954,7 +3954,7 @@
               </a:rPr>
               <a:t>Henry L. Bart Jr.</a:t>
             </a:r>
-            <a:endParaRPr b="0" lang="en-US" sz="2200" spc="-1" strike="noStrike">
+            <a:endParaRPr b="0" lang="en-US" sz="1650" spc="-1" strike="noStrike">
               <a:solidFill>
                 <a:srgbClr val="1c1c1c"/>
               </a:solidFill>
@@ -3964,7 +3964,7 @@
           <a:p>
             <a:pPr algn="ctr"/>
             <a:r>
-              <a:rPr b="0" lang="en-US" sz="2200" spc="-1" strike="noStrike">
+              <a:rPr b="0" lang="en-US" sz="1650" spc="-1" strike="noStrike">
                 <a:solidFill>
                   <a:srgbClr val="1c1c1c"/>
                 </a:solidFill>
@@ -3972,7 +3972,7 @@
               </a:rPr>
               <a:t>Yasin Bakis</a:t>
             </a:r>
-            <a:endParaRPr b="0" lang="en-US" sz="2200" spc="-1" strike="noStrike">
+            <a:endParaRPr b="0" lang="en-US" sz="1650" spc="-1" strike="noStrike">
               <a:solidFill>
                 <a:srgbClr val="1c1c1c"/>
               </a:solidFill>
@@ -3982,7 +3982,7 @@
           <a:p>
             <a:pPr algn="ctr"/>
             <a:r>
-              <a:rPr b="0" lang="en-US" sz="2200" spc="-1" strike="noStrike">
+              <a:rPr b="0" lang="en-US" sz="1650" spc="-1" strike="noStrike">
                 <a:solidFill>
                   <a:srgbClr val="1c1c1c"/>
                 </a:solidFill>
@@ -3990,7 +3990,7 @@
               </a:rPr>
               <a:t>Bahadir Altintas</a:t>
             </a:r>
-            <a:endParaRPr b="0" lang="en-US" sz="2200" spc="-1" strike="noStrike">
+            <a:endParaRPr b="0" lang="en-US" sz="1650" spc="-1" strike="noStrike">
               <a:solidFill>
                 <a:srgbClr val="1c1c1c"/>
               </a:solidFill>
@@ -4000,15 +4000,15 @@
           <a:p>
             <a:pPr algn="ctr"/>
             <a:r>
-              <a:rPr b="0" lang="en-US" sz="2200" spc="-1" strike="noStrike">
+              <a:rPr b="0" lang="en-US" sz="1650" spc="-1" strike="noStrike">
                 <a:solidFill>
                   <a:srgbClr val="1c1c1c"/>
                 </a:solidFill>
                 <a:latin typeface="Noto Sans Light"/>
               </a:rPr>
-              <a:t>Xiaojun wang</a:t>
+              <a:t>Xiaojun Wang</a:t>
             </a:r>
-            <a:endParaRPr b="0" lang="en-US" sz="2200" spc="-1" strike="noStrike">
+            <a:endParaRPr b="0" lang="en-US" sz="1650" spc="-1" strike="noStrike">
               <a:solidFill>
                 <a:srgbClr val="1c1c1c"/>
               </a:solidFill>
@@ -4017,7 +4017,7 @@
           </a:p>
           <a:p>
             <a:pPr algn="ctr"/>
-            <a:endParaRPr b="0" lang="en-US" sz="2200" spc="-1" strike="noStrike">
+            <a:endParaRPr b="0" lang="en-US" sz="1650" spc="-1" strike="noStrike">
               <a:solidFill>
                 <a:srgbClr val="1c1c1c"/>
               </a:solidFill>
@@ -4058,14 +4058,14 @@
       </p:grpSpPr>
       <p:sp>
         <p:nvSpPr>
-          <p:cNvPr id="107" name="TextShape 1"/>
+          <p:cNvPr id="106" name="TextShape 1"/>
           <p:cNvSpPr txBox="1"/>
           <p:nvPr/>
         </p:nvSpPr>
         <p:spPr>
           <a:xfrm>
-            <a:off x="360000" y="360000"/>
-            <a:ext cx="9360000" cy="900000"/>
+            <a:off x="360000" y="270000"/>
+            <a:ext cx="9360000" cy="675000"/>
           </a:xfrm>
           <a:prstGeom prst="rect">
             <a:avLst/>
@@ -4081,7 +4081,7 @@
           </a:bodyPr>
           <a:p>
             <a:r>
-              <a:rPr b="1" lang="en-US" sz="3200" spc="-1" strike="noStrike">
+              <a:rPr b="1" lang="en-US" sz="2400" spc="-1" strike="noStrike">
                 <a:solidFill>
                   <a:srgbClr val="ffffff"/>
                 </a:solidFill>
@@ -4089,11 +4089,60 @@
               </a:rPr>
               <a:t>INHS Dataset</a:t>
             </a:r>
-            <a:endParaRPr b="1" lang="en-US" sz="3200" spc="-1" strike="noStrike">
+            <a:endParaRPr b="1" lang="en-US" sz="2400" spc="-1" strike="noStrike">
               <a:solidFill>
                 <a:srgbClr val="ffffff"/>
               </a:solidFill>
               <a:latin typeface="Noto Sans Black"/>
+            </a:endParaRPr>
+          </a:p>
+        </p:txBody>
+      </p:sp>
+      <p:sp>
+        <p:nvSpPr>
+          <p:cNvPr id="107" name="TextShape 2"/>
+          <p:cNvSpPr txBox="1"/>
+          <p:nvPr/>
+        </p:nvSpPr>
+        <p:spPr>
+          <a:xfrm>
+            <a:off x="2926080" y="4503240"/>
+            <a:ext cx="7040880" cy="800280"/>
+          </a:xfrm>
+          <a:prstGeom prst="rect">
+            <a:avLst/>
+          </a:prstGeom>
+          <a:noFill/>
+          <a:ln w="54720">
+            <a:noFill/>
+          </a:ln>
+        </p:spPr>
+        <p:txBody>
+          <a:bodyPr lIns="90000" rIns="90000" tIns="45000" bIns="45000">
+            <a:noAutofit/>
+          </a:bodyPr>
+          <a:p>
+            <a:pPr algn="ctr"/>
+            <a:r>
+              <a:rPr b="0" lang="en-US" sz="2400" spc="-1" strike="noStrike">
+                <a:latin typeface="Noto Sans Regular"/>
+              </a:rPr>
+              <a:t>INHS : ~ 20K</a:t>
+            </a:r>
+            <a:r>
+              <a:rPr b="0" lang="en-US" sz="2400" spc="-1" strike="noStrike">
+                <a:latin typeface="Noto Sans Regular"/>
+              </a:rPr>
+              <a:t>	</a:t>
+            </a:r>
+            <a:r>
+              <a:rPr b="0" lang="en-US" sz="2400" spc="-1" strike="noStrike">
+                <a:latin typeface="Noto Sans Regular"/>
+              </a:rPr>
+              <a:t>FMNH: ~2700 OSUM:~1500</a:t>
+            </a:r>
+            <a:endParaRPr b="0" lang="en-US" sz="2400" spc="-1" strike="noStrike">
+              <a:latin typeface="Noto Sans Regular"/>
             </a:endParaRPr>
           </a:p>
         </p:txBody>
@@ -4110,8 +4159,8 @@
         </p:blipFill>
         <p:spPr>
           <a:xfrm>
-            <a:off x="4297680" y="1503720"/>
-            <a:ext cx="5388120" cy="2153880"/>
+            <a:off x="144360" y="1128240"/>
+            <a:ext cx="7993800" cy="3992400"/>
           </a:xfrm>
           <a:prstGeom prst="rect">
             <a:avLst/>
@@ -4121,65 +4170,6 @@
           </a:ln>
         </p:spPr>
       </p:pic>
-      <p:pic>
-        <p:nvPicPr>
-          <p:cNvPr id="109" name="" descr=""/>
-          <p:cNvPicPr/>
-          <p:nvPr/>
-        </p:nvPicPr>
-        <p:blipFill>
-          <a:blip r:embed="rId2"/>
-          <a:stretch/>
-        </p:blipFill>
-        <p:spPr>
-          <a:xfrm>
-            <a:off x="2103120" y="3749040"/>
-            <a:ext cx="7547400" cy="3017520"/>
-          </a:xfrm>
-          <a:prstGeom prst="rect">
-            <a:avLst/>
-          </a:prstGeom>
-          <a:ln w="109800">
-            <a:noFill/>
-          </a:ln>
-        </p:spPr>
-      </p:pic>
-      <p:sp>
-        <p:nvSpPr>
-          <p:cNvPr id="110" name="TextShape 2"/>
-          <p:cNvSpPr txBox="1"/>
-          <p:nvPr/>
-        </p:nvSpPr>
-        <p:spPr>
-          <a:xfrm>
-            <a:off x="274320" y="1645920"/>
-            <a:ext cx="3383280" cy="355680"/>
-          </a:xfrm>
-          <a:prstGeom prst="rect">
-            <a:avLst/>
-          </a:prstGeom>
-          <a:noFill/>
-          <a:ln w="54720">
-            <a:noFill/>
-          </a:ln>
-        </p:spPr>
-        <p:txBody>
-          <a:bodyPr lIns="90000" rIns="90000" tIns="45000" bIns="45000">
-            <a:noAutofit/>
-          </a:bodyPr>
-          <a:p>
-            <a:r>
-              <a:rPr b="0" lang="en-US" sz="1800" spc="-1" strike="noStrike">
-                <a:latin typeface="Noto Sans Regular"/>
-              </a:rPr>
-              <a:t>19999 images</a:t>
-            </a:r>
-            <a:endParaRPr b="0" lang="en-US" sz="1800" spc="-1" strike="noStrike">
-              <a:latin typeface="Noto Sans Regular"/>
-            </a:endParaRPr>
-          </a:p>
-        </p:txBody>
-      </p:sp>
     </p:spTree>
   </p:cSld>
   <mc:AlternateContent>
@@ -4212,14 +4202,14 @@
       </p:grpSpPr>
       <p:sp>
         <p:nvSpPr>
-          <p:cNvPr id="111" name="TextShape 1"/>
+          <p:cNvPr id="109" name="TextShape 1"/>
           <p:cNvSpPr txBox="1"/>
           <p:nvPr/>
         </p:nvSpPr>
         <p:spPr>
           <a:xfrm>
-            <a:off x="360000" y="360000"/>
-            <a:ext cx="9360000" cy="900000"/>
+            <a:off x="360000" y="270000"/>
+            <a:ext cx="9360000" cy="675000"/>
           </a:xfrm>
           <a:prstGeom prst="rect">
             <a:avLst/>
@@ -4235,15 +4225,15 @@
           </a:bodyPr>
           <a:p>
             <a:r>
-              <a:rPr b="1" lang="en-US" sz="3200" spc="-1" strike="noStrike">
+              <a:rPr b="1" lang="en-US" sz="2400" spc="-1" strike="noStrike">
                 <a:solidFill>
                   <a:srgbClr val="ffffff"/>
                 </a:solidFill>
                 <a:latin typeface="Noto Sans Black"/>
               </a:rPr>
-              <a:t>FNHM dataset</a:t>
+              <a:t>POSSIBLE TRAITS</a:t>
             </a:r>
-            <a:endParaRPr b="1" lang="en-US" sz="3200" spc="-1" strike="noStrike">
+            <a:endParaRPr b="1" lang="en-US" sz="2400" spc="-1" strike="noStrike">
               <a:solidFill>
                 <a:srgbClr val="ffffff"/>
               </a:solidFill>
@@ -4252,62 +4242,16 @@
           </a:p>
         </p:txBody>
       </p:sp>
-      <p:pic>
-        <p:nvPicPr>
-          <p:cNvPr id="112" name="" descr=""/>
-          <p:cNvPicPr/>
-          <p:nvPr/>
-        </p:nvPicPr>
-        <p:blipFill>
-          <a:blip r:embed="rId1"/>
-          <a:stretch/>
-        </p:blipFill>
-        <p:spPr>
-          <a:xfrm>
-            <a:off x="4299120" y="1496880"/>
-            <a:ext cx="5393520" cy="2160720"/>
-          </a:xfrm>
-          <a:prstGeom prst="rect">
-            <a:avLst/>
-          </a:prstGeom>
-          <a:ln w="109800">
-            <a:noFill/>
-          </a:ln>
-        </p:spPr>
-      </p:pic>
-      <p:pic>
-        <p:nvPicPr>
-          <p:cNvPr id="113" name="" descr=""/>
-          <p:cNvPicPr/>
-          <p:nvPr/>
-        </p:nvPicPr>
-        <p:blipFill>
-          <a:blip r:embed="rId2"/>
-          <a:stretch/>
-        </p:blipFill>
-        <p:spPr>
-          <a:xfrm>
-            <a:off x="2286000" y="3749040"/>
-            <a:ext cx="7397640" cy="2963520"/>
-          </a:xfrm>
-          <a:prstGeom prst="rect">
-            <a:avLst/>
-          </a:prstGeom>
-          <a:ln w="109800">
-            <a:noFill/>
-          </a:ln>
-        </p:spPr>
-      </p:pic>
-      <p:sp>
-        <p:nvSpPr>
-          <p:cNvPr id="114" name="TextShape 2"/>
+      <p:sp>
+        <p:nvSpPr>
+          <p:cNvPr id="110" name="TextShape 2"/>
           <p:cNvSpPr txBox="1"/>
           <p:nvPr/>
         </p:nvSpPr>
         <p:spPr>
           <a:xfrm>
-            <a:off x="640080" y="1645920"/>
-            <a:ext cx="1920240" cy="355680"/>
+            <a:off x="640080" y="1463040"/>
+            <a:ext cx="6492240" cy="621000"/>
           </a:xfrm>
           <a:prstGeom prst="rect">
             <a:avLst/>
@@ -4326,7 +4270,7 @@
               <a:rPr b="0" lang="en-US" sz="1800" spc="-1" strike="noStrike">
                 <a:latin typeface="Noto Sans Regular"/>
               </a:rPr>
-              <a:t>2698 images</a:t>
+              <a:t>Total number of landmarks(including centroids),n: 35</a:t>
             </a:r>
             <a:endParaRPr b="0" lang="en-US" sz="1800" spc="-1" strike="noStrike">
               <a:latin typeface="Noto Sans Regular"/>
@@ -4334,6 +4278,661 @@
           </a:p>
         </p:txBody>
       </p:sp>
+      <p:graphicFrame>
+        <p:nvGraphicFramePr>
+          <p:cNvPr id="111" name="Table 3"/>
+          <p:cNvGraphicFramePr/>
+          <p:nvPr/>
+        </p:nvGraphicFramePr>
+        <p:xfrm>
+          <a:off x="2649600" y="1935360"/>
+          <a:ext cx="3997080" cy="2974680"/>
+        </p:xfrm>
+        <a:graphic>
+          <a:graphicData uri="http://schemas.openxmlformats.org/drawingml/2006/table">
+            <a:tbl>
+              <a:tblPr/>
+              <a:tblGrid>
+                <a:gridCol w="1332360"/>
+                <a:gridCol w="1332360"/>
+                <a:gridCol w="1332720"/>
+              </a:tblGrid>
+              <a:tr h="1117800">
+                <a:tc>
+                  <a:txBody>
+                    <a:bodyPr lIns="90000" rIns="90000" tIns="46800" bIns="46800">
+                      <a:noAutofit/>
+                    </a:bodyPr>
+                    <a:p>
+                      <a:pPr algn="ctr"/>
+                      <a:r>
+                        <a:rPr b="1" lang="en-US" sz="1800" spc="-1" strike="noStrike">
+                          <a:latin typeface="Noto Sans Regular"/>
+                        </a:rPr>
+                        <a:t>Trait type</a:t>
+                      </a:r>
+                      <a:endParaRPr b="0" lang="en-US" sz="1800" spc="-1" strike="noStrike">
+                        <a:latin typeface="Noto Sans Regular"/>
+                      </a:endParaRPr>
+                    </a:p>
+                  </a:txBody>
+                  <a:tcPr marL="90000" marR="90000">
+                    <a:lnL w="720">
+                      <a:solidFill>
+                        <a:srgbClr val="ffffff"/>
+                      </a:solidFill>
+                    </a:lnL>
+                    <a:lnR w="720">
+                      <a:solidFill>
+                        <a:srgbClr val="ffffff"/>
+                      </a:solidFill>
+                    </a:lnR>
+                    <a:lnT w="720">
+                      <a:solidFill>
+                        <a:srgbClr val="ffffff"/>
+                      </a:solidFill>
+                    </a:lnT>
+                    <a:lnB w="720">
+                      <a:solidFill>
+                        <a:srgbClr val="ffffff"/>
+                      </a:solidFill>
+                    </a:lnB>
+                    <a:solidFill>
+                      <a:srgbClr val="b3b3b3"/>
+                    </a:solidFill>
+                  </a:tcPr>
+                </a:tc>
+                <a:tc>
+                  <a:txBody>
+                    <a:bodyPr lIns="90000" rIns="90000" tIns="46800" bIns="46800">
+                      <a:noAutofit/>
+                    </a:bodyPr>
+                    <a:p>
+                      <a:pPr algn="ctr"/>
+                      <a:r>
+                        <a:rPr b="1" lang="en-US" sz="1800" spc="-1" strike="noStrike">
+                          <a:latin typeface="Arial"/>
+                        </a:rPr>
+                        <a:t>Landmarks needed(min)</a:t>
+                      </a:r>
+                      <a:endParaRPr b="1" lang="en-US" sz="1800" spc="-1" strike="noStrike">
+                        <a:latin typeface="Arial"/>
+                      </a:endParaRPr>
+                    </a:p>
+                  </a:txBody>
+                  <a:tcPr marL="90000" marR="90000">
+                    <a:lnL w="720">
+                      <a:solidFill>
+                        <a:srgbClr val="ffffff"/>
+                      </a:solidFill>
+                    </a:lnL>
+                    <a:lnR w="720">
+                      <a:solidFill>
+                        <a:srgbClr val="ffffff"/>
+                      </a:solidFill>
+                    </a:lnR>
+                    <a:lnT w="720">
+                      <a:solidFill>
+                        <a:srgbClr val="ffffff"/>
+                      </a:solidFill>
+                    </a:lnT>
+                    <a:lnB w="720">
+                      <a:solidFill>
+                        <a:srgbClr val="ffffff"/>
+                      </a:solidFill>
+                    </a:lnB>
+                    <a:solidFill>
+                      <a:srgbClr val="b3b3b3"/>
+                    </a:solidFill>
+                  </a:tcPr>
+                </a:tc>
+                <a:tc>
+                  <a:txBody>
+                    <a:bodyPr lIns="90000" rIns="90000" tIns="46800" bIns="46800">
+                      <a:noAutofit/>
+                    </a:bodyPr>
+                    <a:p>
+                      <a:pPr algn="ctr"/>
+                      <a:r>
+                        <a:rPr b="1" lang="en-US" sz="1800" spc="-1" strike="noStrike">
+                          <a:latin typeface="Arial"/>
+                        </a:rPr>
+                        <a:t>Num. Of Traits</a:t>
+                      </a:r>
+                      <a:endParaRPr b="1" lang="en-US" sz="1800" spc="-1" strike="noStrike">
+                        <a:latin typeface="Arial"/>
+                      </a:endParaRPr>
+                    </a:p>
+                    <a:p>
+                      <a:pPr algn="ctr"/>
+                      <a:endParaRPr b="1" lang="en-US" sz="1800" spc="-1" strike="noStrike">
+                        <a:latin typeface="Arial"/>
+                      </a:endParaRPr>
+                    </a:p>
+                  </a:txBody>
+                  <a:tcPr marL="90000" marR="90000">
+                    <a:lnL w="720">
+                      <a:solidFill>
+                        <a:srgbClr val="ffffff"/>
+                      </a:solidFill>
+                    </a:lnL>
+                    <a:lnR w="720">
+                      <a:solidFill>
+                        <a:srgbClr val="ffffff"/>
+                      </a:solidFill>
+                    </a:lnR>
+                    <a:lnT w="720">
+                      <a:solidFill>
+                        <a:srgbClr val="ffffff"/>
+                      </a:solidFill>
+                    </a:lnT>
+                    <a:lnB w="720">
+                      <a:solidFill>
+                        <a:srgbClr val="ffffff"/>
+                      </a:solidFill>
+                    </a:lnB>
+                    <a:solidFill>
+                      <a:srgbClr val="b3b3b3"/>
+                    </a:solidFill>
+                  </a:tcPr>
+                </a:tc>
+              </a:tr>
+              <a:tr h="464040">
+                <a:tc>
+                  <a:txBody>
+                    <a:bodyPr lIns="90000" rIns="90000" tIns="46800" bIns="46800">
+                      <a:noAutofit/>
+                    </a:bodyPr>
+                    <a:p>
+                      <a:r>
+                        <a:rPr b="0" lang="en-US" sz="1800" spc="-1" strike="noStrike">
+                          <a:latin typeface="Arial"/>
+                        </a:rPr>
+                        <a:t>Distance</a:t>
+                      </a:r>
+                      <a:endParaRPr b="0" lang="en-US" sz="1800" spc="-1" strike="noStrike">
+                        <a:latin typeface="Arial"/>
+                      </a:endParaRPr>
+                    </a:p>
+                  </a:txBody>
+                  <a:tcPr marL="90000" marR="90000">
+                    <a:lnL w="720">
+                      <a:solidFill>
+                        <a:srgbClr val="ffffff"/>
+                      </a:solidFill>
+                    </a:lnL>
+                    <a:lnR w="720">
+                      <a:solidFill>
+                        <a:srgbClr val="ffffff"/>
+                      </a:solidFill>
+                    </a:lnR>
+                    <a:lnT w="720">
+                      <a:solidFill>
+                        <a:srgbClr val="ffffff"/>
+                      </a:solidFill>
+                    </a:lnT>
+                    <a:lnB w="720">
+                      <a:solidFill>
+                        <a:srgbClr val="ffffff"/>
+                      </a:solidFill>
+                    </a:lnB>
+                    <a:solidFill>
+                      <a:srgbClr val="cccccc"/>
+                    </a:solidFill>
+                  </a:tcPr>
+                </a:tc>
+                <a:tc>
+                  <a:txBody>
+                    <a:bodyPr lIns="90000" rIns="90000" tIns="46800" bIns="46800">
+                      <a:noAutofit/>
+                    </a:bodyPr>
+                    <a:p>
+                      <a:r>
+                        <a:rPr b="0" lang="en-US" sz="1800" spc="-1" strike="noStrike">
+                          <a:latin typeface="Arial"/>
+                        </a:rPr>
+                        <a:t>2</a:t>
+                      </a:r>
+                      <a:endParaRPr b="0" lang="en-US" sz="1800" spc="-1" strike="noStrike">
+                        <a:latin typeface="Arial"/>
+                      </a:endParaRPr>
+                    </a:p>
+                  </a:txBody>
+                  <a:tcPr marL="90000" marR="90000">
+                    <a:lnL w="720">
+                      <a:solidFill>
+                        <a:srgbClr val="ffffff"/>
+                      </a:solidFill>
+                    </a:lnL>
+                    <a:lnR w="720">
+                      <a:solidFill>
+                        <a:srgbClr val="ffffff"/>
+                      </a:solidFill>
+                    </a:lnR>
+                    <a:lnT w="720">
+                      <a:solidFill>
+                        <a:srgbClr val="ffffff"/>
+                      </a:solidFill>
+                    </a:lnT>
+                    <a:lnB w="720">
+                      <a:solidFill>
+                        <a:srgbClr val="ffffff"/>
+                      </a:solidFill>
+                    </a:lnB>
+                    <a:solidFill>
+                      <a:srgbClr val="cccccc"/>
+                    </a:solidFill>
+                  </a:tcPr>
+                </a:tc>
+                <a:tc>
+                  <a:txBody>
+                    <a:bodyPr lIns="90000" rIns="90000" tIns="46800" bIns="46800">
+                      <a:noAutofit/>
+                    </a:bodyPr>
+                    <a:p>
+                      <a:r>
+                        <a:rPr b="0" lang="en-US" sz="1800" spc="-1" strike="noStrike">
+                          <a:latin typeface="Arial"/>
+                        </a:rPr>
+                        <a:t>595</a:t>
+                      </a:r>
+                      <a:endParaRPr b="0" lang="en-US" sz="1800" spc="-1" strike="noStrike">
+                        <a:latin typeface="Arial"/>
+                      </a:endParaRPr>
+                    </a:p>
+                  </a:txBody>
+                  <a:tcPr marL="90000" marR="90000">
+                    <a:lnL w="720">
+                      <a:solidFill>
+                        <a:srgbClr val="ffffff"/>
+                      </a:solidFill>
+                    </a:lnL>
+                    <a:lnR w="720">
+                      <a:solidFill>
+                        <a:srgbClr val="ffffff"/>
+                      </a:solidFill>
+                    </a:lnR>
+                    <a:lnT w="720">
+                      <a:solidFill>
+                        <a:srgbClr val="ffffff"/>
+                      </a:solidFill>
+                    </a:lnT>
+                    <a:lnB w="720">
+                      <a:solidFill>
+                        <a:srgbClr val="ffffff"/>
+                      </a:solidFill>
+                    </a:lnB>
+                    <a:solidFill>
+                      <a:srgbClr val="cccccc"/>
+                    </a:solidFill>
+                  </a:tcPr>
+                </a:tc>
+              </a:tr>
+              <a:tr h="464760">
+                <a:tc>
+                  <a:txBody>
+                    <a:bodyPr lIns="90000" rIns="90000" tIns="46800" bIns="46800">
+                      <a:noAutofit/>
+                    </a:bodyPr>
+                    <a:p>
+                      <a:r>
+                        <a:rPr b="0" lang="en-US" sz="1800" spc="-1" strike="noStrike">
+                          <a:latin typeface="Arial"/>
+                        </a:rPr>
+                        <a:t>Angle</a:t>
+                      </a:r>
+                      <a:endParaRPr b="0" lang="en-US" sz="1800" spc="-1" strike="noStrike">
+                        <a:latin typeface="Arial"/>
+                      </a:endParaRPr>
+                    </a:p>
+                  </a:txBody>
+                  <a:tcPr marL="90000" marR="90000">
+                    <a:lnL w="720">
+                      <a:solidFill>
+                        <a:srgbClr val="ffffff"/>
+                      </a:solidFill>
+                    </a:lnL>
+                    <a:lnR w="720">
+                      <a:solidFill>
+                        <a:srgbClr val="ffffff"/>
+                      </a:solidFill>
+                    </a:lnR>
+                    <a:lnT w="720">
+                      <a:solidFill>
+                        <a:srgbClr val="ffffff"/>
+                      </a:solidFill>
+                    </a:lnT>
+                    <a:lnB w="720">
+                      <a:solidFill>
+                        <a:srgbClr val="ffffff"/>
+                      </a:solidFill>
+                    </a:lnB>
+                    <a:solidFill>
+                      <a:srgbClr val="e6e6e6"/>
+                    </a:solidFill>
+                  </a:tcPr>
+                </a:tc>
+                <a:tc>
+                  <a:txBody>
+                    <a:bodyPr lIns="90000" rIns="90000" tIns="46800" bIns="46800">
+                      <a:noAutofit/>
+                    </a:bodyPr>
+                    <a:p>
+                      <a:r>
+                        <a:rPr b="0" lang="en-US" sz="1800" spc="-1" strike="noStrike">
+                          <a:latin typeface="Arial"/>
+                        </a:rPr>
+                        <a:t>3</a:t>
+                      </a:r>
+                      <a:endParaRPr b="0" lang="en-US" sz="1800" spc="-1" strike="noStrike">
+                        <a:latin typeface="Arial"/>
+                      </a:endParaRPr>
+                    </a:p>
+                  </a:txBody>
+                  <a:tcPr marL="90000" marR="90000">
+                    <a:lnL w="720">
+                      <a:solidFill>
+                        <a:srgbClr val="ffffff"/>
+                      </a:solidFill>
+                    </a:lnL>
+                    <a:lnR w="720">
+                      <a:solidFill>
+                        <a:srgbClr val="ffffff"/>
+                      </a:solidFill>
+                    </a:lnR>
+                    <a:lnT w="720">
+                      <a:solidFill>
+                        <a:srgbClr val="ffffff"/>
+                      </a:solidFill>
+                    </a:lnT>
+                    <a:lnB w="720">
+                      <a:solidFill>
+                        <a:srgbClr val="ffffff"/>
+                      </a:solidFill>
+                    </a:lnB>
+                    <a:solidFill>
+                      <a:srgbClr val="e6e6e6"/>
+                    </a:solidFill>
+                  </a:tcPr>
+                </a:tc>
+                <a:tc>
+                  <a:txBody>
+                    <a:bodyPr lIns="90000" rIns="90000" tIns="46800" bIns="46800">
+                      <a:noAutofit/>
+                    </a:bodyPr>
+                    <a:p>
+                      <a:r>
+                        <a:rPr b="0" lang="en-US" sz="1800" spc="-1" strike="noStrike">
+                          <a:latin typeface="Arial"/>
+                        </a:rPr>
+                        <a:t>6545</a:t>
+                      </a:r>
+                      <a:endParaRPr b="0" lang="en-US" sz="1800" spc="-1" strike="noStrike">
+                        <a:latin typeface="Arial"/>
+                      </a:endParaRPr>
+                    </a:p>
+                  </a:txBody>
+                  <a:tcPr marL="90000" marR="90000">
+                    <a:lnL w="720">
+                      <a:solidFill>
+                        <a:srgbClr val="ffffff"/>
+                      </a:solidFill>
+                    </a:lnL>
+                    <a:lnR w="720">
+                      <a:solidFill>
+                        <a:srgbClr val="ffffff"/>
+                      </a:solidFill>
+                    </a:lnR>
+                    <a:lnT w="720">
+                      <a:solidFill>
+                        <a:srgbClr val="ffffff"/>
+                      </a:solidFill>
+                    </a:lnT>
+                    <a:lnB w="720">
+                      <a:solidFill>
+                        <a:srgbClr val="ffffff"/>
+                      </a:solidFill>
+                    </a:lnB>
+                    <a:solidFill>
+                      <a:srgbClr val="e6e6e6"/>
+                    </a:solidFill>
+                  </a:tcPr>
+                </a:tc>
+              </a:tr>
+              <a:tr h="464760">
+                <a:tc>
+                  <a:txBody>
+                    <a:bodyPr lIns="90000" rIns="90000" tIns="46800" bIns="46800">
+                      <a:noAutofit/>
+                    </a:bodyPr>
+                    <a:p>
+                      <a:r>
+                        <a:rPr b="0" lang="en-US" sz="1800" spc="-1" strike="noStrike">
+                          <a:latin typeface="Arial"/>
+                        </a:rPr>
+                        <a:t>Area</a:t>
+                      </a:r>
+                      <a:endParaRPr b="0" lang="en-US" sz="1800" spc="-1" strike="noStrike">
+                        <a:latin typeface="Arial"/>
+                      </a:endParaRPr>
+                    </a:p>
+                  </a:txBody>
+                  <a:tcPr marL="90000" marR="90000">
+                    <a:lnL w="720">
+                      <a:solidFill>
+                        <a:srgbClr val="ffffff"/>
+                      </a:solidFill>
+                    </a:lnL>
+                    <a:lnR w="720">
+                      <a:solidFill>
+                        <a:srgbClr val="ffffff"/>
+                      </a:solidFill>
+                    </a:lnR>
+                    <a:lnT w="720">
+                      <a:solidFill>
+                        <a:srgbClr val="ffffff"/>
+                      </a:solidFill>
+                    </a:lnT>
+                    <a:lnB w="720">
+                      <a:solidFill>
+                        <a:srgbClr val="ffffff"/>
+                      </a:solidFill>
+                    </a:lnB>
+                    <a:solidFill>
+                      <a:srgbClr val="cccccc"/>
+                    </a:solidFill>
+                  </a:tcPr>
+                </a:tc>
+                <a:tc>
+                  <a:txBody>
+                    <a:bodyPr lIns="90000" rIns="90000" tIns="46800" bIns="46800">
+                      <a:noAutofit/>
+                    </a:bodyPr>
+                    <a:p>
+                      <a:r>
+                        <a:rPr b="0" lang="en-US" sz="1800" spc="-1" strike="noStrike">
+                          <a:latin typeface="Arial"/>
+                        </a:rPr>
+                        <a:t>3….n</a:t>
+                      </a:r>
+                      <a:endParaRPr b="0" lang="en-US" sz="1800" spc="-1" strike="noStrike">
+                        <a:latin typeface="Arial"/>
+                      </a:endParaRPr>
+                    </a:p>
+                  </a:txBody>
+                  <a:tcPr marL="90000" marR="90000">
+                    <a:lnL w="720">
+                      <a:solidFill>
+                        <a:srgbClr val="ffffff"/>
+                      </a:solidFill>
+                    </a:lnL>
+                    <a:lnR w="720">
+                      <a:solidFill>
+                        <a:srgbClr val="ffffff"/>
+                      </a:solidFill>
+                    </a:lnR>
+                    <a:lnT w="720">
+                      <a:solidFill>
+                        <a:srgbClr val="ffffff"/>
+                      </a:solidFill>
+                    </a:lnT>
+                    <a:lnB w="720">
+                      <a:solidFill>
+                        <a:srgbClr val="ffffff"/>
+                      </a:solidFill>
+                    </a:lnB>
+                    <a:solidFill>
+                      <a:srgbClr val="cccccc"/>
+                    </a:solidFill>
+                  </a:tcPr>
+                </a:tc>
+                <a:tc>
+                  <a:txBody>
+                    <a:bodyPr lIns="90000" rIns="90000" tIns="46800" bIns="46800">
+                      <a:noAutofit/>
+                    </a:bodyPr>
+                    <a:p>
+                      <a:r>
+                        <a:rPr b="0" lang="en-US" sz="1800" spc="-1" strike="noStrike">
+                          <a:latin typeface="Arial"/>
+                        </a:rPr>
+                        <a:t>?????</a:t>
+                      </a:r>
+                      <a:endParaRPr b="0" lang="en-US" sz="1800" spc="-1" strike="noStrike">
+                        <a:latin typeface="Arial"/>
+                      </a:endParaRPr>
+                    </a:p>
+                  </a:txBody>
+                  <a:tcPr marL="90000" marR="90000">
+                    <a:lnL w="720">
+                      <a:solidFill>
+                        <a:srgbClr val="ffffff"/>
+                      </a:solidFill>
+                    </a:lnL>
+                    <a:lnR w="720">
+                      <a:solidFill>
+                        <a:srgbClr val="ffffff"/>
+                      </a:solidFill>
+                    </a:lnR>
+                    <a:lnT w="720">
+                      <a:solidFill>
+                        <a:srgbClr val="ffffff"/>
+                      </a:solidFill>
+                    </a:lnT>
+                    <a:lnB w="720">
+                      <a:solidFill>
+                        <a:srgbClr val="ffffff"/>
+                      </a:solidFill>
+                    </a:lnB>
+                    <a:solidFill>
+                      <a:srgbClr val="cccccc"/>
+                    </a:solidFill>
+                  </a:tcPr>
+                </a:tc>
+              </a:tr>
+              <a:tr h="463680">
+                <a:tc>
+                  <a:txBody>
+                    <a:bodyPr lIns="90000" rIns="90000" tIns="46800" bIns="46800">
+                      <a:noAutofit/>
+                    </a:bodyPr>
+                    <a:p>
+                      <a:r>
+                        <a:rPr b="0" lang="en-US" sz="1800" spc="-1" strike="noStrike">
+                          <a:latin typeface="Arial"/>
+                        </a:rPr>
+                        <a:t>Ratio</a:t>
+                      </a:r>
+                      <a:endParaRPr b="0" lang="en-US" sz="1800" spc="-1" strike="noStrike">
+                        <a:latin typeface="Arial"/>
+                      </a:endParaRPr>
+                    </a:p>
+                  </a:txBody>
+                  <a:tcPr marL="90000" marR="90000">
+                    <a:lnL w="720">
+                      <a:solidFill>
+                        <a:srgbClr val="ffffff"/>
+                      </a:solidFill>
+                    </a:lnL>
+                    <a:lnR w="720">
+                      <a:solidFill>
+                        <a:srgbClr val="ffffff"/>
+                      </a:solidFill>
+                    </a:lnR>
+                    <a:lnT w="720">
+                      <a:solidFill>
+                        <a:srgbClr val="ffffff"/>
+                      </a:solidFill>
+                    </a:lnT>
+                    <a:lnB w="720">
+                      <a:solidFill>
+                        <a:srgbClr val="ffffff"/>
+                      </a:solidFill>
+                    </a:lnB>
+                    <a:solidFill>
+                      <a:srgbClr val="e6e6e6"/>
+                    </a:solidFill>
+                  </a:tcPr>
+                </a:tc>
+                <a:tc>
+                  <a:tcPr marL="90000" marR="90000">
+                    <a:lnL w="720">
+                      <a:solidFill>
+                        <a:srgbClr val="ffffff"/>
+                      </a:solidFill>
+                    </a:lnL>
+                    <a:lnR w="720">
+                      <a:solidFill>
+                        <a:srgbClr val="ffffff"/>
+                      </a:solidFill>
+                    </a:lnR>
+                    <a:lnT w="720">
+                      <a:solidFill>
+                        <a:srgbClr val="ffffff"/>
+                      </a:solidFill>
+                    </a:lnT>
+                    <a:lnB w="720">
+                      <a:solidFill>
+                        <a:srgbClr val="ffffff"/>
+                      </a:solidFill>
+                    </a:lnB>
+                    <a:solidFill>
+                      <a:srgbClr val="e6e6e6"/>
+                    </a:solidFill>
+                  </a:tcPr>
+                </a:tc>
+                <a:tc>
+                  <a:tcPr marL="90000" marR="90000">
+                    <a:lnL w="720">
+                      <a:solidFill>
+                        <a:srgbClr val="ffffff"/>
+                      </a:solidFill>
+                    </a:lnL>
+                    <a:lnR w="720">
+                      <a:solidFill>
+                        <a:srgbClr val="ffffff"/>
+                      </a:solidFill>
+                    </a:lnR>
+                    <a:lnT w="720">
+                      <a:solidFill>
+                        <a:srgbClr val="ffffff"/>
+                      </a:solidFill>
+                    </a:lnT>
+                    <a:lnB w="720">
+                      <a:solidFill>
+                        <a:srgbClr val="ffffff"/>
+                      </a:solidFill>
+                    </a:lnB>
+                    <a:solidFill>
+                      <a:srgbClr val="e6e6e6"/>
+                    </a:solidFill>
+                  </a:tcPr>
+                </a:tc>
+              </a:tr>
+            </a:tbl>
+          </a:graphicData>
+        </a:graphic>
+      </p:graphicFrame>
     </p:spTree>
   </p:cSld>
   <mc:AlternateContent>
@@ -4366,14 +4965,14 @@
       </p:grpSpPr>
       <p:sp>
         <p:nvSpPr>
-          <p:cNvPr id="115" name="TextShape 1"/>
+          <p:cNvPr id="112" name="TextShape 1"/>
           <p:cNvSpPr txBox="1"/>
           <p:nvPr/>
         </p:nvSpPr>
         <p:spPr>
           <a:xfrm>
-            <a:off x="360000" y="360000"/>
-            <a:ext cx="9360000" cy="900000"/>
+            <a:off x="360000" y="270000"/>
+            <a:ext cx="9360000" cy="675000"/>
           </a:xfrm>
           <a:prstGeom prst="rect">
             <a:avLst/>
@@ -4389,15 +4988,15 @@
           </a:bodyPr>
           <a:p>
             <a:r>
-              <a:rPr b="1" lang="en-US" sz="3200" spc="-1" strike="noStrike">
+              <a:rPr b="1" lang="en-US" sz="2400" spc="-1" strike="noStrike">
                 <a:solidFill>
                   <a:srgbClr val="ffffff"/>
                 </a:solidFill>
                 <a:latin typeface="Noto Sans Black"/>
               </a:rPr>
-              <a:t>OSUM dataset</a:t>
+              <a:t>Area based trait discovery</a:t>
             </a:r>
-            <a:endParaRPr b="1" lang="en-US" sz="3200" spc="-1" strike="noStrike">
+            <a:endParaRPr b="1" lang="en-US" sz="2400" spc="-1" strike="noStrike">
               <a:solidFill>
                 <a:srgbClr val="ffffff"/>
               </a:solidFill>
@@ -4408,7 +5007,7 @@
       </p:sp>
       <p:pic>
         <p:nvPicPr>
-          <p:cNvPr id="116" name="" descr=""/>
+          <p:cNvPr id="113" name="" descr=""/>
           <p:cNvPicPr/>
           <p:nvPr/>
         </p:nvPicPr>
@@ -4418,8 +5017,8 @@
         </p:blipFill>
         <p:spPr>
           <a:xfrm>
-            <a:off x="2011680" y="3749040"/>
-            <a:ext cx="7619760" cy="3047760"/>
+            <a:off x="365760" y="1178640"/>
+            <a:ext cx="2743200" cy="3438000"/>
           </a:xfrm>
           <a:prstGeom prst="rect">
             <a:avLst/>
@@ -4431,7 +5030,7 @@
       </p:pic>
       <p:pic>
         <p:nvPicPr>
-          <p:cNvPr id="117" name="" descr=""/>
+          <p:cNvPr id="114" name="" descr=""/>
           <p:cNvPicPr/>
           <p:nvPr/>
         </p:nvPicPr>
@@ -4441,8 +5040,8 @@
         </p:blipFill>
         <p:spPr>
           <a:xfrm>
-            <a:off x="4267440" y="1463040"/>
-            <a:ext cx="5425200" cy="2170080"/>
+            <a:off x="6583680" y="1280160"/>
+            <a:ext cx="2743200" cy="3173040"/>
           </a:xfrm>
           <a:prstGeom prst="rect">
             <a:avLst/>
@@ -4452,42 +5051,29 @@
           </a:ln>
         </p:spPr>
       </p:pic>
-      <p:sp>
-        <p:nvSpPr>
-          <p:cNvPr id="118" name="TextShape 2"/>
-          <p:cNvSpPr txBox="1"/>
+      <p:pic>
+        <p:nvPicPr>
+          <p:cNvPr id="115" name="" descr=""/>
+          <p:cNvPicPr/>
           <p:nvPr/>
-        </p:nvSpPr>
-        <p:spPr>
-          <a:xfrm>
-            <a:off x="365760" y="1645920"/>
-            <a:ext cx="2743200" cy="355680"/>
-          </a:xfrm>
-          <a:prstGeom prst="rect">
-            <a:avLst/>
-          </a:prstGeom>
-          <a:noFill/>
-          <a:ln w="54720">
+        </p:nvPicPr>
+        <p:blipFill>
+          <a:blip r:embed="rId3"/>
+          <a:stretch/>
+        </p:blipFill>
+        <p:spPr>
+          <a:xfrm>
+            <a:off x="3612960" y="1188720"/>
+            <a:ext cx="2743200" cy="3237120"/>
+          </a:xfrm>
+          <a:prstGeom prst="rect">
+            <a:avLst/>
+          </a:prstGeom>
+          <a:ln w="109800">
             <a:noFill/>
           </a:ln>
         </p:spPr>
-        <p:txBody>
-          <a:bodyPr lIns="90000" rIns="90000" tIns="45000" bIns="45000">
-            <a:noAutofit/>
-          </a:bodyPr>
-          <a:p>
-            <a:r>
-              <a:rPr b="0" lang="en-US" sz="1800" spc="-1" strike="noStrike">
-                <a:latin typeface="Noto Sans Regular"/>
-              </a:rPr>
-              <a:t>1429 images</a:t>
-            </a:r>
-            <a:endParaRPr b="0" lang="en-US" sz="1800" spc="-1" strike="noStrike">
-              <a:latin typeface="Noto Sans Regular"/>
-            </a:endParaRPr>
-          </a:p>
-        </p:txBody>
-      </p:sp>
+      </p:pic>
     </p:spTree>
   </p:cSld>
   <mc:AlternateContent>
@@ -4520,14 +5106,14 @@
       </p:grpSpPr>
       <p:sp>
         <p:nvSpPr>
-          <p:cNvPr id="119" name="TextShape 1"/>
+          <p:cNvPr id="116" name="TextShape 1"/>
           <p:cNvSpPr txBox="1"/>
           <p:nvPr/>
         </p:nvSpPr>
         <p:spPr>
           <a:xfrm>
-            <a:off x="360000" y="360000"/>
-            <a:ext cx="9360000" cy="900000"/>
+            <a:off x="360000" y="270000"/>
+            <a:ext cx="9360000" cy="675000"/>
           </a:xfrm>
           <a:prstGeom prst="rect">
             <a:avLst/>
@@ -4543,7 +5129,7 @@
           </a:bodyPr>
           <a:p>
             <a:r>
-              <a:rPr b="1" lang="en-US" sz="3200" spc="-1" strike="noStrike">
+              <a:rPr b="1" lang="en-US" sz="2400" spc="-1" strike="noStrike">
                 <a:solidFill>
                   <a:srgbClr val="ffffff"/>
                 </a:solidFill>
@@ -4551,7 +5137,7 @@
               </a:rPr>
               <a:t>Problems with landmarking</a:t>
             </a:r>
-            <a:endParaRPr b="1" lang="en-US" sz="3200" spc="-1" strike="noStrike">
+            <a:endParaRPr b="1" lang="en-US" sz="2400" spc="-1" strike="noStrike">
               <a:solidFill>
                 <a:srgbClr val="ffffff"/>
               </a:solidFill>
@@ -4562,7 +5148,7 @@
       </p:sp>
       <p:pic>
         <p:nvPicPr>
-          <p:cNvPr id="120" name="" descr=""/>
+          <p:cNvPr id="117" name="" descr=""/>
           <p:cNvPicPr/>
           <p:nvPr/>
         </p:nvPicPr>
@@ -4572,8 +5158,8 @@
         </p:blipFill>
         <p:spPr>
           <a:xfrm>
-            <a:off x="599760" y="2310480"/>
-            <a:ext cx="8544240" cy="4073760"/>
+            <a:off x="599760" y="1732680"/>
+            <a:ext cx="8544240" cy="3055320"/>
           </a:xfrm>
           <a:prstGeom prst="rect">
             <a:avLst/>
@@ -4615,14 +5201,14 @@
       </p:grpSpPr>
       <p:sp>
         <p:nvSpPr>
-          <p:cNvPr id="121" name="TextShape 1"/>
+          <p:cNvPr id="118" name="TextShape 1"/>
           <p:cNvSpPr txBox="1"/>
           <p:nvPr/>
         </p:nvSpPr>
         <p:spPr>
           <a:xfrm>
-            <a:off x="360000" y="360000"/>
-            <a:ext cx="9360000" cy="900000"/>
+            <a:off x="360000" y="270000"/>
+            <a:ext cx="9360000" cy="675000"/>
           </a:xfrm>
           <a:prstGeom prst="rect">
             <a:avLst/>
@@ -4638,7 +5224,7 @@
           </a:bodyPr>
           <a:p>
             <a:r>
-              <a:rPr b="1" lang="en-US" sz="3200" spc="-1" strike="noStrike">
+              <a:rPr b="1" lang="en-US" sz="2400" spc="-1" strike="noStrike">
                 <a:solidFill>
                   <a:srgbClr val="ffffff"/>
                 </a:solidFill>
@@ -4646,7 +5232,7 @@
               </a:rPr>
               <a:t>..more</a:t>
             </a:r>
-            <a:endParaRPr b="1" lang="en-US" sz="3200" spc="-1" strike="noStrike">
+            <a:endParaRPr b="1" lang="en-US" sz="2400" spc="-1" strike="noStrike">
               <a:solidFill>
                 <a:srgbClr val="ffffff"/>
               </a:solidFill>
@@ -4657,7 +5243,7 @@
       </p:sp>
       <p:pic>
         <p:nvPicPr>
-          <p:cNvPr id="122" name="" descr=""/>
+          <p:cNvPr id="119" name="" descr=""/>
           <p:cNvPicPr/>
           <p:nvPr/>
         </p:nvPicPr>
@@ -4667,8 +5253,8 @@
         </p:blipFill>
         <p:spPr>
           <a:xfrm>
-            <a:off x="661320" y="2194560"/>
-            <a:ext cx="8665560" cy="3383280"/>
+            <a:off x="661320" y="1645920"/>
+            <a:ext cx="8665560" cy="2537640"/>
           </a:xfrm>
           <a:prstGeom prst="rect">
             <a:avLst/>
@@ -4710,14 +5296,14 @@
       </p:grpSpPr>
       <p:sp>
         <p:nvSpPr>
-          <p:cNvPr id="123" name="TextShape 1"/>
+          <p:cNvPr id="120" name="TextShape 1"/>
           <p:cNvSpPr txBox="1"/>
           <p:nvPr/>
         </p:nvSpPr>
         <p:spPr>
           <a:xfrm>
-            <a:off x="360000" y="360000"/>
-            <a:ext cx="9360000" cy="900000"/>
+            <a:off x="360000" y="270000"/>
+            <a:ext cx="9360000" cy="675000"/>
           </a:xfrm>
           <a:prstGeom prst="rect">
             <a:avLst/>
@@ -4733,7 +5319,7 @@
           </a:bodyPr>
           <a:p>
             <a:r>
-              <a:rPr b="1" lang="en-US" sz="3200" spc="-1" strike="noStrike">
+              <a:rPr b="1" lang="en-US" sz="2400" spc="-1" strike="noStrike">
                 <a:solidFill>
                   <a:srgbClr val="ffffff"/>
                 </a:solidFill>
@@ -4741,7 +5327,7 @@
               </a:rPr>
               <a:t>Result statistics </a:t>
             </a:r>
-            <a:endParaRPr b="1" lang="en-US" sz="3200" spc="-1" strike="noStrike">
+            <a:endParaRPr b="1" lang="en-US" sz="2400" spc="-1" strike="noStrike">
               <a:solidFill>
                 <a:srgbClr val="ffffff"/>
               </a:solidFill>
@@ -4750,53 +5336,29 @@
           </a:p>
         </p:txBody>
       </p:sp>
-      <p:sp>
-        <p:nvSpPr>
-          <p:cNvPr id="124" name="TextShape 2"/>
-          <p:cNvSpPr txBox="1"/>
+      <p:pic>
+        <p:nvPicPr>
+          <p:cNvPr id="121" name="" descr=""/>
+          <p:cNvPicPr/>
           <p:nvPr/>
-        </p:nvSpPr>
-        <p:spPr>
-          <a:xfrm>
-            <a:off x="360000" y="1980000"/>
-            <a:ext cx="9180000" cy="4680000"/>
-          </a:xfrm>
-          <a:prstGeom prst="rect">
-            <a:avLst/>
-          </a:prstGeom>
-          <a:noFill/>
-          <a:ln>
+        </p:nvPicPr>
+        <p:blipFill>
+          <a:blip r:embed="rId1"/>
+          <a:stretch/>
+        </p:blipFill>
+        <p:spPr>
+          <a:xfrm>
+            <a:off x="68400" y="1188720"/>
+            <a:ext cx="9898560" cy="3790080"/>
+          </a:xfrm>
+          <a:prstGeom prst="rect">
+            <a:avLst/>
+          </a:prstGeom>
+          <a:ln w="109800">
             <a:noFill/>
           </a:ln>
         </p:spPr>
-        <p:txBody>
-          <a:bodyPr lIns="0" rIns="0" tIns="0" bIns="0">
-            <a:normAutofit/>
-          </a:bodyPr>
-          <a:p>
-            <a:pPr>
-              <a:spcAft>
-                <a:spcPts val="1142"/>
-              </a:spcAft>
-            </a:pPr>
-            <a:r>
-              <a:rPr b="1" lang="en-US" sz="2600" spc="-1" strike="noStrike">
-                <a:solidFill>
-                  <a:srgbClr val="1c1c1c"/>
-                </a:solidFill>
-                <a:latin typeface="Noto Sans SemiBold"/>
-              </a:rPr>
-              <a:t>Statistical fail and success results will  here</a:t>
-            </a:r>
-            <a:endParaRPr b="1" lang="en-US" sz="2600" spc="-1" strike="noStrike">
-              <a:solidFill>
-                <a:srgbClr val="1c1c1c"/>
-              </a:solidFill>
-              <a:latin typeface="Noto Sans SemiBold"/>
-            </a:endParaRPr>
-          </a:p>
-        </p:txBody>
-      </p:sp>
+      </p:pic>
     </p:spTree>
   </p:cSld>
   <mc:AlternateContent>
@@ -4829,14 +5391,14 @@
       </p:grpSpPr>
       <p:sp>
         <p:nvSpPr>
-          <p:cNvPr id="125" name="TextShape 1"/>
+          <p:cNvPr id="122" name="TextShape 1"/>
           <p:cNvSpPr txBox="1"/>
           <p:nvPr/>
         </p:nvSpPr>
         <p:spPr>
           <a:xfrm>
-            <a:off x="360000" y="360000"/>
-            <a:ext cx="9360000" cy="900000"/>
+            <a:off x="360000" y="270000"/>
+            <a:ext cx="9360000" cy="675000"/>
           </a:xfrm>
           <a:prstGeom prst="rect">
             <a:avLst/>
@@ -4852,7 +5414,7 @@
           </a:bodyPr>
           <a:p>
             <a:r>
-              <a:rPr b="1" lang="en-US" sz="3200" spc="-1" strike="noStrike">
+              <a:rPr b="1" lang="en-US" sz="2400" spc="-1" strike="noStrike">
                 <a:solidFill>
                   <a:srgbClr val="ffffff"/>
                 </a:solidFill>
@@ -4860,7 +5422,7 @@
               </a:rPr>
               <a:t>Credits</a:t>
             </a:r>
-            <a:endParaRPr b="1" lang="en-US" sz="3200" spc="-1" strike="noStrike">
+            <a:endParaRPr b="1" lang="en-US" sz="2400" spc="-1" strike="noStrike">
               <a:solidFill>
                 <a:srgbClr val="ffffff"/>
               </a:solidFill>
@@ -4871,14 +5433,14 @@
       </p:sp>
       <p:sp>
         <p:nvSpPr>
-          <p:cNvPr id="126" name="TextShape 2"/>
+          <p:cNvPr id="123" name="TextShape 2"/>
           <p:cNvSpPr txBox="1"/>
           <p:nvPr/>
         </p:nvSpPr>
         <p:spPr>
           <a:xfrm>
-            <a:off x="199800" y="3310920"/>
-            <a:ext cx="9218520" cy="621000"/>
+            <a:off x="199800" y="2482920"/>
+            <a:ext cx="9218520" cy="465840"/>
           </a:xfrm>
           <a:prstGeom prst="rect">
             <a:avLst/>
@@ -4908,14 +5470,14 @@
       </p:sp>
       <p:sp>
         <p:nvSpPr>
-          <p:cNvPr id="127" name="TextShape 3"/>
+          <p:cNvPr id="124" name="TextShape 3"/>
           <p:cNvSpPr txBox="1"/>
           <p:nvPr/>
         </p:nvSpPr>
         <p:spPr>
           <a:xfrm>
-            <a:off x="640080" y="1645920"/>
-            <a:ext cx="5577840" cy="355680"/>
+            <a:off x="640080" y="1234440"/>
+            <a:ext cx="5577840" cy="288360"/>
           </a:xfrm>
           <a:prstGeom prst="rect">
             <a:avLst/>
@@ -4931,12 +5493,12 @@
           </a:bodyPr>
           <a:p>
             <a:r>
-              <a:rPr b="0" lang="en-US" sz="1800" spc="-1" strike="noStrike">
+              <a:rPr b="0" lang="en-US" sz="1350" spc="-1" strike="noStrike">
                 <a:latin typeface="Noto Sans Regular"/>
               </a:rPr>
               <a:t>Credits &amp; contributers will be here</a:t>
             </a:r>
-            <a:endParaRPr b="0" lang="en-US" sz="1800" spc="-1" strike="noStrike">
+            <a:endParaRPr b="0" lang="en-US" sz="1350" spc="-1" strike="noStrike">
               <a:latin typeface="Noto Sans Regular"/>
             </a:endParaRPr>
           </a:p>
@@ -4944,7 +5506,7 @@
       </p:sp>
       <p:pic>
         <p:nvPicPr>
-          <p:cNvPr id="128" name="" descr=""/>
+          <p:cNvPr id="125" name="" descr=""/>
           <p:cNvPicPr/>
           <p:nvPr/>
         </p:nvPicPr>
@@ -4954,8 +5516,8 @@
         </p:blipFill>
         <p:spPr>
           <a:xfrm>
-            <a:off x="1478160" y="4754880"/>
-            <a:ext cx="7757280" cy="1602720"/>
+            <a:off x="1478160" y="3566160"/>
+            <a:ext cx="7757280" cy="1202040"/>
           </a:xfrm>
           <a:prstGeom prst="rect">
             <a:avLst/>
@@ -5003,8 +5565,8 @@
         </p:nvSpPr>
         <p:spPr>
           <a:xfrm>
-            <a:off x="360000" y="360000"/>
-            <a:ext cx="9360000" cy="900000"/>
+            <a:off x="360000" y="270000"/>
+            <a:ext cx="9360000" cy="675000"/>
           </a:xfrm>
           <a:prstGeom prst="rect">
             <a:avLst/>
@@ -5020,7 +5582,7 @@
           </a:bodyPr>
           <a:p>
             <a:r>
-              <a:rPr b="1" lang="en-US" sz="3200" spc="-1" strike="noStrike">
+              <a:rPr b="1" lang="en-US" sz="2400" spc="-1" strike="noStrike">
                 <a:solidFill>
                   <a:srgbClr val="ffffff"/>
                 </a:solidFill>
@@ -5028,7 +5590,7 @@
               </a:rPr>
               <a:t>AIM</a:t>
             </a:r>
-            <a:endParaRPr b="1" lang="en-US" sz="3200" spc="-1" strike="noStrike">
+            <a:endParaRPr b="1" lang="en-US" sz="2400" spc="-1" strike="noStrike">
               <a:solidFill>
                 <a:srgbClr val="ffffff"/>
               </a:solidFill>
@@ -5045,8 +5607,8 @@
         </p:nvSpPr>
         <p:spPr>
           <a:xfrm>
-            <a:off x="360000" y="1980000"/>
-            <a:ext cx="9180000" cy="4680000"/>
+            <a:off x="360000" y="1485000"/>
+            <a:ext cx="9180000" cy="3510000"/>
           </a:xfrm>
           <a:prstGeom prst="rect">
             <a:avLst/>
@@ -5061,7 +5623,7 @@
             <a:normAutofit/>
           </a:bodyPr>
           <a:p>
-            <a:endParaRPr b="1" lang="en-US" sz="2600" spc="-1" strike="noStrike">
+            <a:endParaRPr b="1" lang="en-US" sz="1950" spc="-1" strike="noStrike">
               <a:solidFill>
                 <a:srgbClr val="1c1c1c"/>
               </a:solidFill>
@@ -5108,8 +5670,8 @@
         </p:nvSpPr>
         <p:spPr>
           <a:xfrm>
-            <a:off x="360000" y="360000"/>
-            <a:ext cx="9360000" cy="900000"/>
+            <a:off x="360000" y="270000"/>
+            <a:ext cx="9360000" cy="675000"/>
           </a:xfrm>
           <a:prstGeom prst="rect">
             <a:avLst/>
@@ -5125,7 +5687,7 @@
           </a:bodyPr>
           <a:p>
             <a:r>
-              <a:rPr b="1" lang="en-US" sz="3200" spc="-1" strike="noStrike">
+              <a:rPr b="1" lang="en-US" sz="2400" spc="-1" strike="noStrike">
                 <a:solidFill>
                   <a:srgbClr val="ffffff"/>
                 </a:solidFill>
@@ -5133,7 +5695,7 @@
               </a:rPr>
               <a:t>COLOR based data extraction</a:t>
             </a:r>
-            <a:endParaRPr b="1" lang="en-US" sz="3200" spc="-1" strike="noStrike">
+            <a:endParaRPr b="1" lang="en-US" sz="2400" spc="-1" strike="noStrike">
               <a:solidFill>
                 <a:srgbClr val="ffffff"/>
               </a:solidFill>
@@ -5154,8 +5716,8 @@
         </p:blipFill>
         <p:spPr>
           <a:xfrm>
-            <a:off x="1371240" y="1613880"/>
-            <a:ext cx="6492600" cy="4986720"/>
+            <a:off x="1371240" y="1210320"/>
+            <a:ext cx="6492600" cy="3740040"/>
           </a:xfrm>
           <a:prstGeom prst="rect">
             <a:avLst/>
@@ -5203,8 +5765,8 @@
         </p:nvSpPr>
         <p:spPr>
           <a:xfrm>
-            <a:off x="360000" y="360000"/>
-            <a:ext cx="9360000" cy="900000"/>
+            <a:off x="360000" y="270000"/>
+            <a:ext cx="9360000" cy="675000"/>
           </a:xfrm>
           <a:prstGeom prst="rect">
             <a:avLst/>
@@ -5220,7 +5782,7 @@
           </a:bodyPr>
           <a:p>
             <a:r>
-              <a:rPr b="1" lang="en-US" sz="3200" spc="-1" strike="noStrike">
+              <a:rPr b="1" lang="en-US" sz="2400" spc="-1" strike="noStrike">
                 <a:solidFill>
                   <a:srgbClr val="ffffff"/>
                 </a:solidFill>
@@ -5228,7 +5790,7 @@
               </a:rPr>
               <a:t>Histograms</a:t>
             </a:r>
-            <a:endParaRPr b="1" lang="en-US" sz="3200" spc="-1" strike="noStrike">
+            <a:endParaRPr b="1" lang="en-US" sz="2400" spc="-1" strike="noStrike">
               <a:solidFill>
                 <a:srgbClr val="ffffff"/>
               </a:solidFill>
@@ -5249,8 +5811,8 @@
         </p:blipFill>
         <p:spPr>
           <a:xfrm>
-            <a:off x="1005840" y="1492560"/>
-            <a:ext cx="7406640" cy="5274000"/>
+            <a:off x="1005840" y="1119240"/>
+            <a:ext cx="7406640" cy="3955680"/>
           </a:xfrm>
           <a:prstGeom prst="rect">
             <a:avLst/>
@@ -5298,8 +5860,8 @@
         </p:nvSpPr>
         <p:spPr>
           <a:xfrm>
-            <a:off x="360000" y="360000"/>
-            <a:ext cx="9360000" cy="900000"/>
+            <a:off x="360000" y="270000"/>
+            <a:ext cx="9360000" cy="675000"/>
           </a:xfrm>
           <a:prstGeom prst="rect">
             <a:avLst/>
@@ -5315,15 +5877,15 @@
           </a:bodyPr>
           <a:p>
             <a:r>
-              <a:rPr b="1" lang="en-US" sz="3200" spc="-1" strike="noStrike">
+              <a:rPr b="1" lang="en-US" sz="2400" spc="-1" strike="noStrike">
                 <a:solidFill>
                   <a:srgbClr val="ffffff"/>
                 </a:solidFill>
                 <a:latin typeface="Noto Sans Black"/>
               </a:rPr>
-              <a:t>Color pattern</a:t>
+              <a:t>Color pattern ?????? should we add this</a:t>
             </a:r>
-            <a:endParaRPr b="1" lang="en-US" sz="3200" spc="-1" strike="noStrike">
+            <a:endParaRPr b="1" lang="en-US" sz="2400" spc="-1" strike="noStrike">
               <a:solidFill>
                 <a:srgbClr val="ffffff"/>
               </a:solidFill>
@@ -5344,8 +5906,8 @@
         </p:blipFill>
         <p:spPr>
           <a:xfrm>
-            <a:off x="403200" y="2708640"/>
-            <a:ext cx="9289440" cy="2137680"/>
+            <a:off x="403200" y="2031480"/>
+            <a:ext cx="9289440" cy="1603440"/>
           </a:xfrm>
           <a:prstGeom prst="rect">
             <a:avLst/>
@@ -5393,8 +5955,8 @@
         </p:nvSpPr>
         <p:spPr>
           <a:xfrm>
-            <a:off x="360000" y="360000"/>
-            <a:ext cx="9360000" cy="900000"/>
+            <a:off x="360000" y="270000"/>
+            <a:ext cx="9360000" cy="675000"/>
           </a:xfrm>
           <a:prstGeom prst="rect">
             <a:avLst/>
@@ -5410,15 +5972,15 @@
           </a:bodyPr>
           <a:p>
             <a:r>
-              <a:rPr b="1" lang="en-US" sz="3200" spc="-1" strike="noStrike">
+              <a:rPr b="1" lang="en-US" sz="2400" spc="-1" strike="noStrike">
                 <a:solidFill>
                   <a:srgbClr val="ffffff"/>
                 </a:solidFill>
                 <a:latin typeface="Noto Sans Black"/>
               </a:rPr>
-              <a:t>Our Workflow</a:t>
+              <a:t>Workflow</a:t>
             </a:r>
-            <a:endParaRPr b="1" lang="en-US" sz="3200" spc="-1" strike="noStrike">
+            <a:endParaRPr b="1" lang="en-US" sz="2400" spc="-1" strike="noStrike">
               <a:solidFill>
                 <a:srgbClr val="ffffff"/>
               </a:solidFill>
@@ -5439,8 +6001,8 @@
         </p:blipFill>
         <p:spPr>
           <a:xfrm>
-            <a:off x="281520" y="1562760"/>
-            <a:ext cx="9411120" cy="4767480"/>
+            <a:off x="1920240" y="274320"/>
+            <a:ext cx="7932960" cy="4980240"/>
           </a:xfrm>
           <a:prstGeom prst="rect">
             <a:avLst/>
@@ -5450,38 +6012,6 @@
           </a:ln>
         </p:spPr>
       </p:pic>
-      <p:sp>
-        <p:nvSpPr>
-          <p:cNvPr id="99" name="CustomShape 2"/>
-          <p:cNvSpPr/>
-          <p:nvPr/>
-        </p:nvSpPr>
-        <p:spPr>
-          <a:xfrm>
-            <a:off x="4352400" y="2110680"/>
-            <a:ext cx="2834640" cy="2834640"/>
-          </a:xfrm>
-          <a:prstGeom prst="ellipse">
-            <a:avLst/>
-          </a:prstGeom>
-          <a:noFill/>
-          <a:ln w="54720">
-            <a:solidFill>
-              <a:srgbClr val="ff0000"/>
-            </a:solidFill>
-            <a:custDash>
-              <a:ds d="600000" sp="300000"/>
-            </a:custDash>
-            <a:round/>
-          </a:ln>
-        </p:spPr>
-        <p:style>
-          <a:lnRef idx="0"/>
-          <a:fillRef idx="0"/>
-          <a:effectRef idx="0"/>
-          <a:fontRef idx="minor"/>
-        </p:style>
-      </p:sp>
     </p:spTree>
   </p:cSld>
   <mc:AlternateContent>
@@ -5514,14 +6044,14 @@
       </p:grpSpPr>
       <p:sp>
         <p:nvSpPr>
-          <p:cNvPr id="100" name="TextShape 1"/>
+          <p:cNvPr id="99" name="TextShape 1"/>
           <p:cNvSpPr txBox="1"/>
           <p:nvPr/>
         </p:nvSpPr>
         <p:spPr>
           <a:xfrm>
-            <a:off x="360000" y="360000"/>
-            <a:ext cx="9360000" cy="900000"/>
+            <a:off x="360000" y="270000"/>
+            <a:ext cx="9360000" cy="675000"/>
           </a:xfrm>
           <a:prstGeom prst="rect">
             <a:avLst/>
@@ -5537,16 +6067,15 @@
           </a:bodyPr>
           <a:p>
             <a:r>
-              <a:rPr b="1" lang="en-US" sz="3200" spc="-1" strike="noStrike">
+              <a:rPr b="1" lang="en-US" sz="2400" spc="-1" strike="noStrike">
                 <a:solidFill>
                   <a:srgbClr val="ffffff"/>
                 </a:solidFill>
                 <a:latin typeface="Noto Sans Black"/>
               </a:rPr>
-              <a:t>Our workflow</a:t>
+              <a:t>Our Workflow</a:t>
             </a:r>
-            <a:br/>
-            <a:endParaRPr b="1" lang="en-US" sz="3200" spc="-1" strike="noStrike">
+            <a:endParaRPr b="1" lang="en-US" sz="2400" spc="-1" strike="noStrike">
               <a:solidFill>
                 <a:srgbClr val="ffffff"/>
               </a:solidFill>
@@ -5557,7 +6086,7 @@
       </p:sp>
       <p:pic>
         <p:nvPicPr>
-          <p:cNvPr id="101" name="" descr=""/>
+          <p:cNvPr id="100" name="" descr=""/>
           <p:cNvPicPr/>
           <p:nvPr/>
         </p:nvPicPr>
@@ -5567,31 +6096,8 @@
         </p:blipFill>
         <p:spPr>
           <a:xfrm>
-            <a:off x="91440" y="1323000"/>
-            <a:ext cx="9601200" cy="5443560"/>
-          </a:xfrm>
-          <a:prstGeom prst="rect">
-            <a:avLst/>
-          </a:prstGeom>
-          <a:ln w="109800">
-            <a:noFill/>
-          </a:ln>
-        </p:spPr>
-      </p:pic>
-      <p:pic>
-        <p:nvPicPr>
-          <p:cNvPr id="102" name="" descr=""/>
-          <p:cNvPicPr/>
-          <p:nvPr/>
-        </p:nvPicPr>
-        <p:blipFill>
-          <a:blip r:embed="rId2"/>
-          <a:stretch/>
-        </p:blipFill>
-        <p:spPr>
-          <a:xfrm>
-            <a:off x="2834640" y="2286000"/>
-            <a:ext cx="4305960" cy="4305960"/>
+            <a:off x="281520" y="1171800"/>
+            <a:ext cx="9411120" cy="3575520"/>
           </a:xfrm>
           <a:prstGeom prst="rect">
             <a:avLst/>
@@ -5633,14 +6139,14 @@
       </p:grpSpPr>
       <p:sp>
         <p:nvSpPr>
-          <p:cNvPr id="103" name="TextShape 1"/>
+          <p:cNvPr id="101" name="TextShape 1"/>
           <p:cNvSpPr txBox="1"/>
           <p:nvPr/>
         </p:nvSpPr>
         <p:spPr>
           <a:xfrm>
-            <a:off x="360000" y="360000"/>
-            <a:ext cx="9360000" cy="900000"/>
+            <a:off x="360000" y="270000"/>
+            <a:ext cx="9606960" cy="675000"/>
           </a:xfrm>
           <a:prstGeom prst="rect">
             <a:avLst/>
@@ -5656,7 +6162,7 @@
           </a:bodyPr>
           <a:p>
             <a:r>
-              <a:rPr b="1" lang="en-US" sz="3200" spc="-1" strike="noStrike">
+              <a:rPr b="1" lang="en-US" sz="2400" spc="-1" strike="noStrike">
                 <a:solidFill>
                   <a:srgbClr val="ffffff"/>
                 </a:solidFill>
@@ -5664,7 +6170,7 @@
               </a:rPr>
               <a:t>Centroids</a:t>
             </a:r>
-            <a:endParaRPr b="1" lang="en-US" sz="3200" spc="-1" strike="noStrike">
+            <a:endParaRPr b="1" lang="en-US" sz="2400" spc="-1" strike="noStrike">
               <a:solidFill>
                 <a:srgbClr val="ffffff"/>
               </a:solidFill>
@@ -5675,7 +6181,7 @@
       </p:sp>
       <p:pic>
         <p:nvPicPr>
-          <p:cNvPr id="104" name="" descr=""/>
+          <p:cNvPr id="102" name="" descr=""/>
           <p:cNvPicPr/>
           <p:nvPr/>
         </p:nvPicPr>
@@ -5686,8 +6192,8 @@
         </p:blipFill>
         <p:spPr>
           <a:xfrm>
-            <a:off x="365760" y="2194560"/>
-            <a:ext cx="9326880" cy="3810600"/>
+            <a:off x="150120" y="1188720"/>
+            <a:ext cx="9542520" cy="3291840"/>
           </a:xfrm>
           <a:prstGeom prst="rect">
             <a:avLst/>
@@ -5697,6 +6203,57 @@
           </a:ln>
         </p:spPr>
       </p:pic>
+      <p:sp>
+        <p:nvSpPr>
+          <p:cNvPr id="103" name="TextShape 2"/>
+          <p:cNvSpPr txBox="1"/>
+          <p:nvPr/>
+        </p:nvSpPr>
+        <p:spPr>
+          <a:xfrm>
+            <a:off x="457200" y="4490640"/>
+            <a:ext cx="9166320" cy="355680"/>
+          </a:xfrm>
+          <a:prstGeom prst="rect">
+            <a:avLst/>
+          </a:prstGeom>
+          <a:noFill/>
+          <a:ln w="54720">
+            <a:noFill/>
+          </a:ln>
+        </p:spPr>
+        <p:txBody>
+          <a:bodyPr lIns="90000" rIns="90000" tIns="45000" bIns="45000">
+            <a:noAutofit/>
+          </a:bodyPr>
+          <a:p>
+            <a:r>
+              <a:rPr b="1" lang="en-US" sz="1800" spc="-1" strike="noStrike">
+                <a:solidFill>
+                  <a:srgbClr val="c9211e"/>
+                </a:solidFill>
+                <a:latin typeface="Noto Sans Regular"/>
+              </a:rPr>
+              <a:t>*</a:t>
+            </a:r>
+            <a:r>
+              <a:rPr b="1" lang="en-US" sz="1800" spc="-1" strike="noStrike">
+                <a:latin typeface="Noto Sans Regular"/>
+              </a:rPr>
+              <a:t>Bounding box &amp; Se</a:t>
+            </a:r>
+            <a:r>
+              <a:rPr b="1" lang="en-US" sz="1800" spc="-1" strike="noStrike">
+                <a:latin typeface="Noto Sans Regular"/>
+              </a:rPr>
+              <a:t>gmentation images are provided by Karpatne Lab</a:t>
+            </a:r>
+            <a:endParaRPr b="0" lang="en-US" sz="1800" spc="-1" strike="noStrike">
+              <a:latin typeface="Noto Sans Regular"/>
+            </a:endParaRPr>
+          </a:p>
+        </p:txBody>
+      </p:sp>
     </p:spTree>
   </p:cSld>
   <mc:AlternateContent>
@@ -5729,14 +6286,14 @@
       </p:grpSpPr>
       <p:sp>
         <p:nvSpPr>
-          <p:cNvPr id="105" name="TextShape 1"/>
+          <p:cNvPr id="104" name="TextShape 1"/>
           <p:cNvSpPr txBox="1"/>
           <p:nvPr/>
         </p:nvSpPr>
         <p:spPr>
           <a:xfrm>
-            <a:off x="360000" y="360000"/>
-            <a:ext cx="9360000" cy="900000"/>
+            <a:off x="360000" y="270000"/>
+            <a:ext cx="9360000" cy="675000"/>
           </a:xfrm>
           <a:prstGeom prst="rect">
             <a:avLst/>
@@ -5752,7 +6309,7 @@
           </a:bodyPr>
           <a:p>
             <a:r>
-              <a:rPr b="1" lang="en-US" sz="3200" spc="-1" strike="noStrike">
+              <a:rPr b="1" lang="en-US" sz="2400" spc="-1" strike="noStrike">
                 <a:solidFill>
                   <a:srgbClr val="ffffff"/>
                 </a:solidFill>
@@ -5760,7 +6317,7 @@
               </a:rPr>
               <a:t>Landmarks</a:t>
             </a:r>
-            <a:endParaRPr b="1" lang="en-US" sz="3200" spc="-1" strike="noStrike">
+            <a:endParaRPr b="1" lang="en-US" sz="2400" spc="-1" strike="noStrike">
               <a:solidFill>
                 <a:srgbClr val="ffffff"/>
               </a:solidFill>
@@ -5771,7 +6328,7 @@
       </p:sp>
       <p:pic>
         <p:nvPicPr>
-          <p:cNvPr id="106" name="" descr=""/>
+          <p:cNvPr id="105" name="" descr=""/>
           <p:cNvPicPr/>
           <p:nvPr/>
         </p:nvPicPr>
@@ -5781,8 +6338,8 @@
         </p:blipFill>
         <p:spPr>
           <a:xfrm>
-            <a:off x="274320" y="1645920"/>
-            <a:ext cx="9418320" cy="5005800"/>
+            <a:off x="274320" y="1097280"/>
+            <a:ext cx="9418320" cy="3891600"/>
           </a:xfrm>
           <a:prstGeom prst="rect">
             <a:avLst/>
